--- a/presentations/aids_review2.pptx
+++ b/presentations/aids_review2.pptx
@@ -117,6 +117,11 @@
       </a:defRPr>
     </a:lvl9pPr>
   </p:defaultTextStyle>
+  <p:extLst>
+    <p:ext uri="{EFAFB233-063F-42B5-8137-9DF3F51BA10A}">
+      <p15:sldGuideLst xmlns:p15="http://schemas.microsoft.com/office/powerpoint/2012/main"/>
+    </p:ext>
+  </p:extLst>
 </p:presentation>
 </file>
 
@@ -316,7 +321,7 @@
           <a:p>
             <a:fld id="{ECD19FB2-3AAB-4D03-B13A-2960828C78E3}" type="datetimeFigureOut">
               <a:rPr lang="en-US" smtClean="0"/>
-              <a:t>3/2/2022</a:t>
+              <a:t>3/3/2022</a:t>
             </a:fld>
             <a:endParaRPr lang="en-US" dirty="0"/>
           </a:p>
@@ -598,7 +603,7 @@
           <a:p>
             <a:fld id="{1B80C674-7DFC-42FE-B9CD-82963CDB1557}" type="datetimeFigureOut">
               <a:rPr lang="en-US" smtClean="0"/>
-              <a:t>3/2/2022</a:t>
+              <a:t>3/3/2022</a:t>
             </a:fld>
             <a:endParaRPr lang="en-US" dirty="0"/>
           </a:p>
@@ -790,7 +795,7 @@
           <a:p>
             <a:fld id="{2076456F-F47D-4F25-8053-2A695DA0CA7D}" type="datetimeFigureOut">
               <a:rPr lang="en-US" smtClean="0"/>
-              <a:t>3/2/2022</a:t>
+              <a:t>3/3/2022</a:t>
             </a:fld>
             <a:endParaRPr lang="en-US" dirty="0"/>
           </a:p>
@@ -1051,7 +1056,7 @@
           <a:p>
             <a:fld id="{5D6C7379-69CC-4837-9905-BEBA22830C8A}" type="datetimeFigureOut">
               <a:rPr lang="en-US" smtClean="0"/>
-              <a:t>3/2/2022</a:t>
+              <a:t>3/3/2022</a:t>
             </a:fld>
             <a:endParaRPr lang="en-US" dirty="0"/>
           </a:p>
@@ -1477,7 +1482,7 @@
           <a:p>
             <a:fld id="{49EB8B7E-8AEE-4F10-BFEE-C999AD004D36}" type="datetimeFigureOut">
               <a:rPr lang="en-US" smtClean="0"/>
-              <a:t>3/2/2022</a:t>
+              <a:t>3/3/2022</a:t>
             </a:fld>
             <a:endParaRPr lang="en-US" dirty="0"/>
           </a:p>
@@ -2023,7 +2028,7 @@
           <a:p>
             <a:fld id="{8668F3F9-58BC-440B-B37B-805B9055EF92}" type="datetimeFigureOut">
               <a:rPr lang="en-US" smtClean="0"/>
-              <a:t>3/2/2022</a:t>
+              <a:t>3/3/2022</a:t>
             </a:fld>
             <a:endParaRPr lang="en-US" dirty="0"/>
           </a:p>
@@ -2854,7 +2859,7 @@
           <a:p>
             <a:fld id="{0D5A53AF-48EA-489D-8260-9DCAB666386A}" type="datetimeFigureOut">
               <a:rPr lang="en-US" smtClean="0"/>
-              <a:t>3/2/2022</a:t>
+              <a:t>3/3/2022</a:t>
             </a:fld>
             <a:endParaRPr lang="en-US" dirty="0"/>
           </a:p>
@@ -3024,7 +3029,7 @@
           <a:p>
             <a:fld id="{0DED02AE-B9A4-47BD-AF8E-97E16144138B}" type="datetimeFigureOut">
               <a:rPr lang="en-US" smtClean="0"/>
-              <a:t>3/2/2022</a:t>
+              <a:t>3/3/2022</a:t>
             </a:fld>
             <a:endParaRPr lang="en-US" dirty="0"/>
           </a:p>
@@ -3204,7 +3209,7 @@
           <a:p>
             <a:fld id="{CF0FD78B-DB02-4362-BCDC-98A55456977C}" type="datetimeFigureOut">
               <a:rPr lang="en-US" smtClean="0"/>
-              <a:t>3/2/2022</a:t>
+              <a:t>3/3/2022</a:t>
             </a:fld>
             <a:endParaRPr lang="en-US" dirty="0"/>
           </a:p>
@@ -3374,7 +3379,7 @@
           <a:p>
             <a:fld id="{99916976-5D93-46E4-A98A-FAD63E4D0EA8}" type="datetimeFigureOut">
               <a:rPr lang="en-US" smtClean="0"/>
-              <a:t>3/2/2022</a:t>
+              <a:t>3/3/2022</a:t>
             </a:fld>
             <a:endParaRPr lang="en-US" dirty="0"/>
           </a:p>
@@ -3631,7 +3636,7 @@
           <a:p>
             <a:fld id="{0F39F4F5-F4D2-4D2A-AB60-88D37ADCB869}" type="datetimeFigureOut">
               <a:rPr lang="en-US" smtClean="0"/>
-              <a:t>3/2/2022</a:t>
+              <a:t>3/3/2022</a:t>
             </a:fld>
             <a:endParaRPr lang="en-US" dirty="0"/>
           </a:p>
@@ -3863,7 +3868,7 @@
           <a:p>
             <a:fld id="{D23BC6CE-6D1E-47E5-8859-F31AC5380EB2}" type="datetimeFigureOut">
               <a:rPr lang="en-US" smtClean="0"/>
-              <a:t>3/2/2022</a:t>
+              <a:t>3/3/2022</a:t>
             </a:fld>
             <a:endParaRPr lang="en-US" dirty="0"/>
           </a:p>
@@ -4256,7 +4261,7 @@
           <a:p>
             <a:fld id="{B1B4E7C4-4DA4-404D-9965-B13F2DD7D8BF}" type="datetimeFigureOut">
               <a:rPr lang="en-US" smtClean="0"/>
-              <a:t>3/2/2022</a:t>
+              <a:t>3/3/2022</a:t>
             </a:fld>
             <a:endParaRPr lang="en-US" dirty="0"/>
           </a:p>
@@ -4374,7 +4379,7 @@
           <a:p>
             <a:fld id="{476FB7AA-4A53-424F-AD41-70827B6504BA}" type="datetimeFigureOut">
               <a:rPr lang="en-US" smtClean="0"/>
-              <a:t>3/2/2022</a:t>
+              <a:t>3/3/2022</a:t>
             </a:fld>
             <a:endParaRPr lang="en-US" dirty="0"/>
           </a:p>
@@ -4469,7 +4474,7 @@
           <a:p>
             <a:fld id="{E7884882-FB12-4BC8-9960-9AD8104D7FAE}" type="datetimeFigureOut">
               <a:rPr lang="en-US" smtClean="0"/>
-              <a:t>3/2/2022</a:t>
+              <a:t>3/3/2022</a:t>
             </a:fld>
             <a:endParaRPr lang="en-US" dirty="0"/>
           </a:p>
@@ -4742,7 +4747,7 @@
           <a:p>
             <a:fld id="{F7D1BD23-6E54-4D9D-AD88-A2813C73CC25}" type="datetimeFigureOut">
               <a:rPr lang="en-US" smtClean="0"/>
-              <a:t>3/2/2022</a:t>
+              <a:t>3/3/2022</a:t>
             </a:fld>
             <a:endParaRPr lang="en-US" dirty="0"/>
           </a:p>
@@ -5023,7 +5028,7 @@
           <a:p>
             <a:fld id="{1471A834-4F3C-4AF9-9C74-05EC35A0F292}" type="datetimeFigureOut">
               <a:rPr lang="en-US" smtClean="0"/>
-              <a:t>3/2/2022</a:t>
+              <a:t>3/3/2022</a:t>
             </a:fld>
             <a:endParaRPr lang="en-US" dirty="0"/>
           </a:p>
@@ -5254,7 +5259,7 @@
           <a:p>
             <a:fld id="{51CF1133-3259-4C45-BABA-5B62D9C6F78D}" type="datetimeFigureOut">
               <a:rPr lang="en-US" smtClean="0"/>
-              <a:t>3/2/2022</a:t>
+              <a:t>3/3/2022</a:t>
             </a:fld>
             <a:endParaRPr lang="en-US" dirty="0"/>
           </a:p>
@@ -8730,7 +8735,19 @@
           </p:nvPr>
         </p:nvPicPr>
         <p:blipFill>
-          <a:blip r:embed="rId2"/>
+          <a:blip r:embed="rId2">
+            <a:extLst>
+              <a:ext uri="{BEBA8EAE-BF5A-486C-A8C5-ECC9F3942E4B}">
+                <a14:imgProps xmlns:a14="http://schemas.microsoft.com/office/drawing/2010/main">
+                  <a14:imgLayer r:embed="rId3">
+                    <a14:imgEffect>
+                      <a14:brightnessContrast bright="-20000" contrast="40000"/>
+                    </a14:imgEffect>
+                  </a14:imgLayer>
+                </a14:imgProps>
+              </a:ext>
+            </a:extLst>
+          </a:blip>
           <a:stretch>
             <a:fillRect/>
           </a:stretch>

--- a/presentations/aids_review2.pptx
+++ b/presentations/aids_review2.pptx
@@ -8730,10 +8730,10 @@
       </p:sp>
       <p:pic>
         <p:nvPicPr>
-          <p:cNvPr id="7" name="Picture 6">
+          <p:cNvPr id="4" name="Picture 3">
             <a:extLst>
               <a:ext uri="{FF2B5EF4-FFF2-40B4-BE49-F238E27FC236}">
-                <a16:creationId xmlns:a16="http://schemas.microsoft.com/office/drawing/2014/main" id="{B031174E-1A9F-4070-92DE-1A0B1883317F}"/>
+                <a16:creationId xmlns:a16="http://schemas.microsoft.com/office/drawing/2014/main" id="{3EE937D7-0D34-4C36-9802-77FBBFF37487}"/>
               </a:ext>
             </a:extLst>
           </p:cNvPr>
@@ -8750,8 +8750,8 @@
         </p:blipFill>
         <p:spPr>
           <a:xfrm>
-            <a:off x="993912" y="1166906"/>
-            <a:ext cx="8623950" cy="5400535"/>
+            <a:off x="2045925" y="1230313"/>
+            <a:ext cx="7338687" cy="5354882"/>
           </a:xfrm>
           <a:prstGeom prst="rect">
             <a:avLst/>

--- a/presentations/aids_review2.pptx
+++ b/presentations/aids_review2.pptx
@@ -8730,10 +8730,10 @@
       </p:sp>
       <p:pic>
         <p:nvPicPr>
-          <p:cNvPr id="4" name="Picture 3">
+          <p:cNvPr id="5" name="Picture 4">
             <a:extLst>
               <a:ext uri="{FF2B5EF4-FFF2-40B4-BE49-F238E27FC236}">
-                <a16:creationId xmlns:a16="http://schemas.microsoft.com/office/drawing/2014/main" id="{3EE937D7-0D34-4C36-9802-77FBBFF37487}"/>
+                <a16:creationId xmlns:a16="http://schemas.microsoft.com/office/drawing/2014/main" id="{2329E7A5-A1C4-4F09-A325-5EA4C66CC866}"/>
               </a:ext>
             </a:extLst>
           </p:cNvPr>
@@ -8750,8 +8750,8 @@
         </p:blipFill>
         <p:spPr>
           <a:xfrm>
-            <a:off x="2045925" y="1230313"/>
-            <a:ext cx="7338687" cy="5354882"/>
+            <a:off x="1846801" y="1063378"/>
+            <a:ext cx="8498397" cy="5640776"/>
           </a:xfrm>
           <a:prstGeom prst="rect">
             <a:avLst/>

--- a/presentations/aids_review2.pptx
+++ b/presentations/aids_review2.pptx
@@ -6256,37 +6256,47 @@
           <a:bodyPr/>
           <a:lstStyle/>
           <a:p>
-            <a:endParaRPr lang="en-US"/>
+            <a:r>
+              <a:rPr lang="en-US" dirty="0"/>
+              <a:t>PRE-PROCESSING DATA</a:t>
+            </a:r>
           </a:p>
         </p:txBody>
       </p:sp>
       <p:pic>
         <p:nvPicPr>
-          <p:cNvPr id="5" name="Content Placeholder 4">
+          <p:cNvPr id="4" name="Picture 3" descr="A picture containing text&#10;&#10;Description automatically generated">
             <a:extLst>
               <a:ext uri="{FF2B5EF4-FFF2-40B4-BE49-F238E27FC236}">
-                <a16:creationId xmlns:a16="http://schemas.microsoft.com/office/drawing/2014/main" id="{7B2C8AAB-A9CE-403D-A8EB-076230E1BE79}"/>
+                <a16:creationId xmlns:a16="http://schemas.microsoft.com/office/drawing/2014/main" id="{8EF4680C-1C6A-4135-B8AD-37AAFF8F3BFF}"/>
               </a:ext>
             </a:extLst>
           </p:cNvPr>
           <p:cNvPicPr>
-            <a:picLocks noGrp="1" noChangeAspect="1"/>
+            <a:picLocks noChangeAspect="1"/>
           </p:cNvPicPr>
-          <p:nvPr>
-            <p:ph idx="1"/>
-          </p:nvPr>
+          <p:nvPr/>
         </p:nvPicPr>
         <p:blipFill>
-          <a:blip r:embed="rId2"/>
+          <a:blip r:embed="rId2">
+            <a:extLst>
+              <a:ext uri="{28A0092B-C50C-407E-A947-70E740481C1C}">
+                <a14:useLocalDpi xmlns:a14="http://schemas.microsoft.com/office/drawing/2010/main" val="0"/>
+              </a:ext>
+            </a:extLst>
+          </a:blip>
           <a:stretch>
             <a:fillRect/>
           </a:stretch>
         </p:blipFill>
         <p:spPr>
           <a:xfrm>
-            <a:off x="838200" y="1767828"/>
-            <a:ext cx="8111232" cy="4351338"/>
+            <a:off x="838200" y="2111644"/>
+            <a:ext cx="6324283" cy="3988849"/>
           </a:xfrm>
+          <a:prstGeom prst="rect">
+            <a:avLst/>
+          </a:prstGeom>
         </p:spPr>
       </p:pic>
     </p:spTree>
@@ -6335,7 +6345,12 @@
             <p:ph type="title"/>
           </p:nvPr>
         </p:nvSpPr>
-        <p:spPr/>
+        <p:spPr>
+          <a:xfrm>
+            <a:off x="838200" y="681037"/>
+            <a:ext cx="10515600" cy="1325563"/>
+          </a:xfrm>
+        </p:spPr>
         <p:txBody>
           <a:bodyPr>
             <a:normAutofit fontScale="90000"/>
@@ -6344,7 +6359,7 @@
           <a:p>
             <a:r>
               <a:rPr lang="en-US" dirty="0"/>
-              <a:t>TECHNIQUES AND SELECTED MODELS</a:t>
+              <a:t>TECHNIQUES AND SELECTED   MODELS</a:t>
             </a:r>
           </a:p>
         </p:txBody>
@@ -6365,7 +6380,12 @@
             <p:ph idx="1"/>
           </p:nvPr>
         </p:nvSpPr>
-        <p:spPr/>
+        <p:spPr>
+          <a:xfrm>
+            <a:off x="979100" y="2006600"/>
+            <a:ext cx="10233800" cy="4351338"/>
+          </a:xfrm>
+        </p:spPr>
         <p:txBody>
           <a:bodyPr/>
           <a:lstStyle/>
@@ -6373,21 +6393,53 @@
             <a:endParaRPr lang="en-US" dirty="0"/>
           </a:p>
           <a:p>
+            <a:r>
+              <a:rPr lang="en-US" dirty="0"/>
+              <a:t>Neural Network in combination with LSTM </a:t>
+            </a:r>
+          </a:p>
+          <a:p>
             <a:endParaRPr lang="en-US" dirty="0"/>
           </a:p>
           <a:p>
-            <a:endParaRPr lang="en-US" dirty="0"/>
-          </a:p>
-          <a:p>
             <a:r>
               <a:rPr lang="en-US" dirty="0"/>
-              <a:t>LSTM – Long short </a:t>
-            </a:r>
-            <a:r>
-              <a:rPr lang="en-US"/>
-              <a:t>term memory. </a:t>
-            </a:r>
-            <a:endParaRPr lang="en-US" dirty="0"/>
+              <a:t>Techniques - </a:t>
+            </a:r>
+          </a:p>
+          <a:p>
+            <a:pPr marL="914400" lvl="1" indent="-457200">
+              <a:buFont typeface="+mj-lt"/>
+              <a:buAutoNum type="arabicPeriod"/>
+            </a:pPr>
+            <a:r>
+              <a:rPr lang="en-US" dirty="0" err="1"/>
+              <a:t>Keras</a:t>
+            </a:r>
+            <a:r>
+              <a:rPr lang="en-US" dirty="0"/>
+              <a:t> – NN &amp; LSTM </a:t>
+            </a:r>
+          </a:p>
+          <a:p>
+            <a:pPr marL="914400" lvl="1" indent="-457200">
+              <a:buFont typeface="+mj-lt"/>
+              <a:buAutoNum type="arabicPeriod"/>
+            </a:pPr>
+            <a:r>
+              <a:rPr lang="en-US" dirty="0"/>
+              <a:t>Music21 – toolkit used to analyze and transforming music files</a:t>
+            </a:r>
+          </a:p>
+          <a:p>
+            <a:pPr marL="914400" lvl="1" indent="-457200">
+              <a:buFont typeface="+mj-lt"/>
+              <a:buAutoNum type="arabicPeriod"/>
+            </a:pPr>
+            <a:r>
+              <a:rPr lang="en-US" dirty="0"/>
+              <a:t>Pandas – Data analysis toolkit </a:t>
+            </a:r>
           </a:p>
         </p:txBody>
       </p:sp>
@@ -6473,7 +6525,7 @@
 </file>
 
 <file path=ppt/slides/slide14.xml><?xml version="1.0" encoding="utf-8"?>
-<p:sld xmlns:a="http://schemas.openxmlformats.org/drawingml/2006/main" xmlns:r="http://schemas.openxmlformats.org/officeDocument/2006/relationships" xmlns:p="http://schemas.openxmlformats.org/presentationml/2006/main">
+<p:sld xmlns:a="http://schemas.openxmlformats.org/drawingml/2006/main" xmlns:r="http://schemas.openxmlformats.org/officeDocument/2006/relationships" xmlns:p="http://schemas.openxmlformats.org/presentationml/2006/main" show="0">
   <p:cSld>
     <p:spTree>
       <p:nvGrpSpPr>
@@ -8838,7 +8890,13 @@
           <p:cNvGraphicFramePr>
             <a:graphicFrameLocks noGrp="1"/>
           </p:cNvGraphicFramePr>
-          <p:nvPr/>
+          <p:nvPr>
+            <p:extLst>
+              <p:ext uri="{D42A27DB-BD31-4B8C-83A1-F6EECF244321}">
+                <p14:modId xmlns:p14="http://schemas.microsoft.com/office/powerpoint/2010/main" val="656509535"/>
+              </p:ext>
+            </p:extLst>
+          </p:nvPr>
         </p:nvGraphicFramePr>
         <p:xfrm>
           <a:off x="772357" y="2071150"/>
@@ -9096,7 +9154,7 @@
                         <a:rPr lang="en-US" sz="1200" dirty="0">
                           <a:effectLst/>
                         </a:rPr>
-                        <a:t>Midi melody files for theme song</a:t>
+                        <a:t>Midi melody files </a:t>
                       </a:r>
                       <a:endParaRPr lang="en-IN" sz="1200" dirty="0">
                         <a:effectLst/>
@@ -10374,10 +10432,10 @@
       </p:grpSpPr>
       <p:pic>
         <p:nvPicPr>
-          <p:cNvPr id="3" name="Picture 2">
+          <p:cNvPr id="6" name="Picture 5">
             <a:extLst>
               <a:ext uri="{FF2B5EF4-FFF2-40B4-BE49-F238E27FC236}">
-                <a16:creationId xmlns:a16="http://schemas.microsoft.com/office/drawing/2014/main" id="{C2136F0B-1B44-42F2-9760-5A53A2BF5423}"/>
+                <a16:creationId xmlns:a16="http://schemas.microsoft.com/office/drawing/2014/main" id="{A758F80D-FBAD-467E-A11B-441B373CD65C}"/>
               </a:ext>
             </a:extLst>
           </p:cNvPr>
@@ -10394,8 +10452,8 @@
         </p:blipFill>
         <p:spPr>
           <a:xfrm>
-            <a:off x="913677" y="661601"/>
-            <a:ext cx="10364646" cy="5534797"/>
+            <a:off x="2018731" y="999786"/>
+            <a:ext cx="8154538" cy="4858428"/>
           </a:xfrm>
           <a:prstGeom prst="rect">
             <a:avLst/>

--- a/presentations/aids_review2.pptx
+++ b/presentations/aids_review2.pptx
@@ -6,17 +6,17 @@
   </p:sldMasterIdLst>
   <p:sldIdLst>
     <p:sldId id="256" r:id="rId2"/>
-    <p:sldId id="265" r:id="rId3"/>
-    <p:sldId id="262" r:id="rId4"/>
-    <p:sldId id="263" r:id="rId5"/>
-    <p:sldId id="264" r:id="rId6"/>
-    <p:sldId id="456" r:id="rId7"/>
-    <p:sldId id="450" r:id="rId8"/>
-    <p:sldId id="258" r:id="rId9"/>
-    <p:sldId id="267" r:id="rId10"/>
-    <p:sldId id="259" r:id="rId11"/>
-    <p:sldId id="455" r:id="rId12"/>
-    <p:sldId id="260" r:id="rId13"/>
+    <p:sldId id="456" r:id="rId3"/>
+    <p:sldId id="450" r:id="rId4"/>
+    <p:sldId id="258" r:id="rId5"/>
+    <p:sldId id="267" r:id="rId6"/>
+    <p:sldId id="259" r:id="rId7"/>
+    <p:sldId id="455" r:id="rId8"/>
+    <p:sldId id="260" r:id="rId9"/>
+    <p:sldId id="265" r:id="rId10"/>
+    <p:sldId id="262" r:id="rId11"/>
+    <p:sldId id="263" r:id="rId12"/>
+    <p:sldId id="264" r:id="rId13"/>
     <p:sldId id="453" r:id="rId14"/>
     <p:sldId id="454" r:id="rId15"/>
   </p:sldIdLst>
@@ -321,7 +321,7 @@
           <a:p>
             <a:fld id="{ECD19FB2-3AAB-4D03-B13A-2960828C78E3}" type="datetimeFigureOut">
               <a:rPr lang="en-US" smtClean="0"/>
-              <a:t>3/3/2022</a:t>
+              <a:t>3/4/2022</a:t>
             </a:fld>
             <a:endParaRPr lang="en-US" dirty="0"/>
           </a:p>
@@ -603,7 +603,7 @@
           <a:p>
             <a:fld id="{1B80C674-7DFC-42FE-B9CD-82963CDB1557}" type="datetimeFigureOut">
               <a:rPr lang="en-US" smtClean="0"/>
-              <a:t>3/3/2022</a:t>
+              <a:t>3/4/2022</a:t>
             </a:fld>
             <a:endParaRPr lang="en-US" dirty="0"/>
           </a:p>
@@ -795,7 +795,7 @@
           <a:p>
             <a:fld id="{2076456F-F47D-4F25-8053-2A695DA0CA7D}" type="datetimeFigureOut">
               <a:rPr lang="en-US" smtClean="0"/>
-              <a:t>3/3/2022</a:t>
+              <a:t>3/4/2022</a:t>
             </a:fld>
             <a:endParaRPr lang="en-US" dirty="0"/>
           </a:p>
@@ -1056,7 +1056,7 @@
           <a:p>
             <a:fld id="{5D6C7379-69CC-4837-9905-BEBA22830C8A}" type="datetimeFigureOut">
               <a:rPr lang="en-US" smtClean="0"/>
-              <a:t>3/3/2022</a:t>
+              <a:t>3/4/2022</a:t>
             </a:fld>
             <a:endParaRPr lang="en-US" dirty="0"/>
           </a:p>
@@ -1482,7 +1482,7 @@
           <a:p>
             <a:fld id="{49EB8B7E-8AEE-4F10-BFEE-C999AD004D36}" type="datetimeFigureOut">
               <a:rPr lang="en-US" smtClean="0"/>
-              <a:t>3/3/2022</a:t>
+              <a:t>3/4/2022</a:t>
             </a:fld>
             <a:endParaRPr lang="en-US" dirty="0"/>
           </a:p>
@@ -2028,7 +2028,7 @@
           <a:p>
             <a:fld id="{8668F3F9-58BC-440B-B37B-805B9055EF92}" type="datetimeFigureOut">
               <a:rPr lang="en-US" smtClean="0"/>
-              <a:t>3/3/2022</a:t>
+              <a:t>3/4/2022</a:t>
             </a:fld>
             <a:endParaRPr lang="en-US" dirty="0"/>
           </a:p>
@@ -2859,7 +2859,7 @@
           <a:p>
             <a:fld id="{0D5A53AF-48EA-489D-8260-9DCAB666386A}" type="datetimeFigureOut">
               <a:rPr lang="en-US" smtClean="0"/>
-              <a:t>3/3/2022</a:t>
+              <a:t>3/4/2022</a:t>
             </a:fld>
             <a:endParaRPr lang="en-US" dirty="0"/>
           </a:p>
@@ -3029,7 +3029,7 @@
           <a:p>
             <a:fld id="{0DED02AE-B9A4-47BD-AF8E-97E16144138B}" type="datetimeFigureOut">
               <a:rPr lang="en-US" smtClean="0"/>
-              <a:t>3/3/2022</a:t>
+              <a:t>3/4/2022</a:t>
             </a:fld>
             <a:endParaRPr lang="en-US" dirty="0"/>
           </a:p>
@@ -3209,7 +3209,7 @@
           <a:p>
             <a:fld id="{CF0FD78B-DB02-4362-BCDC-98A55456977C}" type="datetimeFigureOut">
               <a:rPr lang="en-US" smtClean="0"/>
-              <a:t>3/3/2022</a:t>
+              <a:t>3/4/2022</a:t>
             </a:fld>
             <a:endParaRPr lang="en-US" dirty="0"/>
           </a:p>
@@ -3379,7 +3379,7 @@
           <a:p>
             <a:fld id="{99916976-5D93-46E4-A98A-FAD63E4D0EA8}" type="datetimeFigureOut">
               <a:rPr lang="en-US" smtClean="0"/>
-              <a:t>3/3/2022</a:t>
+              <a:t>3/4/2022</a:t>
             </a:fld>
             <a:endParaRPr lang="en-US" dirty="0"/>
           </a:p>
@@ -3636,7 +3636,7 @@
           <a:p>
             <a:fld id="{0F39F4F5-F4D2-4D2A-AB60-88D37ADCB869}" type="datetimeFigureOut">
               <a:rPr lang="en-US" smtClean="0"/>
-              <a:t>3/3/2022</a:t>
+              <a:t>3/4/2022</a:t>
             </a:fld>
             <a:endParaRPr lang="en-US" dirty="0"/>
           </a:p>
@@ -3868,7 +3868,7 @@
           <a:p>
             <a:fld id="{D23BC6CE-6D1E-47E5-8859-F31AC5380EB2}" type="datetimeFigureOut">
               <a:rPr lang="en-US" smtClean="0"/>
-              <a:t>3/3/2022</a:t>
+              <a:t>3/4/2022</a:t>
             </a:fld>
             <a:endParaRPr lang="en-US" dirty="0"/>
           </a:p>
@@ -4261,7 +4261,7 @@
           <a:p>
             <a:fld id="{B1B4E7C4-4DA4-404D-9965-B13F2DD7D8BF}" type="datetimeFigureOut">
               <a:rPr lang="en-US" smtClean="0"/>
-              <a:t>3/3/2022</a:t>
+              <a:t>3/4/2022</a:t>
             </a:fld>
             <a:endParaRPr lang="en-US" dirty="0"/>
           </a:p>
@@ -4379,7 +4379,7 @@
           <a:p>
             <a:fld id="{476FB7AA-4A53-424F-AD41-70827B6504BA}" type="datetimeFigureOut">
               <a:rPr lang="en-US" smtClean="0"/>
-              <a:t>3/3/2022</a:t>
+              <a:t>3/4/2022</a:t>
             </a:fld>
             <a:endParaRPr lang="en-US" dirty="0"/>
           </a:p>
@@ -4474,7 +4474,7 @@
           <a:p>
             <a:fld id="{E7884882-FB12-4BC8-9960-9AD8104D7FAE}" type="datetimeFigureOut">
               <a:rPr lang="en-US" smtClean="0"/>
-              <a:t>3/3/2022</a:t>
+              <a:t>3/4/2022</a:t>
             </a:fld>
             <a:endParaRPr lang="en-US" dirty="0"/>
           </a:p>
@@ -4747,7 +4747,7 @@
           <a:p>
             <a:fld id="{F7D1BD23-6E54-4D9D-AD88-A2813C73CC25}" type="datetimeFigureOut">
               <a:rPr lang="en-US" smtClean="0"/>
-              <a:t>3/3/2022</a:t>
+              <a:t>3/4/2022</a:t>
             </a:fld>
             <a:endParaRPr lang="en-US" dirty="0"/>
           </a:p>
@@ -5028,7 +5028,7 @@
           <a:p>
             <a:fld id="{1471A834-4F3C-4AF9-9C74-05EC35A0F292}" type="datetimeFigureOut">
               <a:rPr lang="en-US" smtClean="0"/>
-              <a:t>3/3/2022</a:t>
+              <a:t>3/4/2022</a:t>
             </a:fld>
             <a:endParaRPr lang="en-US" dirty="0"/>
           </a:p>
@@ -5259,7 +5259,7 @@
           <a:p>
             <a:fld id="{51CF1133-3259-4C45-BABA-5B62D9C6F78D}" type="datetimeFigureOut">
               <a:rPr lang="en-US" smtClean="0"/>
-              <a:t>3/3/2022</a:t>
+              <a:t>3/4/2022</a:t>
             </a:fld>
             <a:endParaRPr lang="en-US" dirty="0"/>
           </a:p>
@@ -6148,550 +6148,6 @@
           <a:chExt cx="0" cy="0"/>
         </a:xfrm>
       </p:grpSpPr>
-      <p:sp>
-        <p:nvSpPr>
-          <p:cNvPr id="2" name="Title 1">
-            <a:extLst>
-              <a:ext uri="{FF2B5EF4-FFF2-40B4-BE49-F238E27FC236}">
-                <a16:creationId xmlns:a16="http://schemas.microsoft.com/office/drawing/2014/main" id="{088231FC-68E4-4CAF-897F-2F4CBDBDE5B8}"/>
-              </a:ext>
-            </a:extLst>
-          </p:cNvPr>
-          <p:cNvSpPr>
-            <a:spLocks noGrp="1"/>
-          </p:cNvSpPr>
-          <p:nvPr>
-            <p:ph type="title"/>
-          </p:nvPr>
-        </p:nvSpPr>
-        <p:spPr/>
-        <p:txBody>
-          <a:bodyPr/>
-          <a:lstStyle/>
-          <a:p>
-            <a:r>
-              <a:rPr lang="en-US" dirty="0"/>
-              <a:t>PRE-PROCESSING CODE </a:t>
-            </a:r>
-          </a:p>
-        </p:txBody>
-      </p:sp>
-      <p:pic>
-        <p:nvPicPr>
-          <p:cNvPr id="5" name="Content Placeholder 4">
-            <a:extLst>
-              <a:ext uri="{FF2B5EF4-FFF2-40B4-BE49-F238E27FC236}">
-                <a16:creationId xmlns:a16="http://schemas.microsoft.com/office/drawing/2014/main" id="{4FF17A3C-B902-4263-BB43-9248C72B50D9}"/>
-              </a:ext>
-            </a:extLst>
-          </p:cNvPr>
-          <p:cNvPicPr>
-            <a:picLocks noGrp="1" noChangeAspect="1"/>
-          </p:cNvPicPr>
-          <p:nvPr>
-            <p:ph idx="1"/>
-          </p:nvPr>
-        </p:nvPicPr>
-        <p:blipFill>
-          <a:blip r:embed="rId2"/>
-          <a:stretch>
-            <a:fillRect/>
-          </a:stretch>
-        </p:blipFill>
-        <p:spPr>
-          <a:xfrm>
-            <a:off x="838200" y="1807870"/>
-            <a:ext cx="8111232" cy="4351338"/>
-          </a:xfrm>
-        </p:spPr>
-      </p:pic>
-    </p:spTree>
-    <p:extLst>
-      <p:ext uri="{BB962C8B-B14F-4D97-AF65-F5344CB8AC3E}">
-        <p14:creationId xmlns:p14="http://schemas.microsoft.com/office/powerpoint/2010/main" val="4185559854"/>
-      </p:ext>
-    </p:extLst>
-  </p:cSld>
-  <p:clrMapOvr>
-    <a:masterClrMapping/>
-  </p:clrMapOvr>
-</p:sld>
-</file>
-
-<file path=ppt/slides/slide11.xml><?xml version="1.0" encoding="utf-8"?>
-<p:sld xmlns:a="http://schemas.openxmlformats.org/drawingml/2006/main" xmlns:r="http://schemas.openxmlformats.org/officeDocument/2006/relationships" xmlns:p="http://schemas.openxmlformats.org/presentationml/2006/main">
-  <p:cSld>
-    <p:spTree>
-      <p:nvGrpSpPr>
-        <p:cNvPr id="1" name=""/>
-        <p:cNvGrpSpPr/>
-        <p:nvPr/>
-      </p:nvGrpSpPr>
-      <p:grpSpPr>
-        <a:xfrm>
-          <a:off x="0" y="0"/>
-          <a:ext cx="0" cy="0"/>
-          <a:chOff x="0" y="0"/>
-          <a:chExt cx="0" cy="0"/>
-        </a:xfrm>
-      </p:grpSpPr>
-      <p:sp>
-        <p:nvSpPr>
-          <p:cNvPr id="2" name="Title 1">
-            <a:extLst>
-              <a:ext uri="{FF2B5EF4-FFF2-40B4-BE49-F238E27FC236}">
-                <a16:creationId xmlns:a16="http://schemas.microsoft.com/office/drawing/2014/main" id="{E841E6C5-04FC-4895-9CE2-967E3ED1A679}"/>
-              </a:ext>
-            </a:extLst>
-          </p:cNvPr>
-          <p:cNvSpPr>
-            <a:spLocks noGrp="1"/>
-          </p:cNvSpPr>
-          <p:nvPr>
-            <p:ph type="title"/>
-          </p:nvPr>
-        </p:nvSpPr>
-        <p:spPr/>
-        <p:txBody>
-          <a:bodyPr/>
-          <a:lstStyle/>
-          <a:p>
-            <a:r>
-              <a:rPr lang="en-US" dirty="0"/>
-              <a:t>PRE-PROCESSING DATA</a:t>
-            </a:r>
-          </a:p>
-        </p:txBody>
-      </p:sp>
-      <p:pic>
-        <p:nvPicPr>
-          <p:cNvPr id="4" name="Picture 3" descr="A picture containing text&#10;&#10;Description automatically generated">
-            <a:extLst>
-              <a:ext uri="{FF2B5EF4-FFF2-40B4-BE49-F238E27FC236}">
-                <a16:creationId xmlns:a16="http://schemas.microsoft.com/office/drawing/2014/main" id="{8EF4680C-1C6A-4135-B8AD-37AAFF8F3BFF}"/>
-              </a:ext>
-            </a:extLst>
-          </p:cNvPr>
-          <p:cNvPicPr>
-            <a:picLocks noChangeAspect="1"/>
-          </p:cNvPicPr>
-          <p:nvPr/>
-        </p:nvPicPr>
-        <p:blipFill>
-          <a:blip r:embed="rId2">
-            <a:extLst>
-              <a:ext uri="{28A0092B-C50C-407E-A947-70E740481C1C}">
-                <a14:useLocalDpi xmlns:a14="http://schemas.microsoft.com/office/drawing/2010/main" val="0"/>
-              </a:ext>
-            </a:extLst>
-          </a:blip>
-          <a:stretch>
-            <a:fillRect/>
-          </a:stretch>
-        </p:blipFill>
-        <p:spPr>
-          <a:xfrm>
-            <a:off x="838200" y="2111644"/>
-            <a:ext cx="6324283" cy="3988849"/>
-          </a:xfrm>
-          <a:prstGeom prst="rect">
-            <a:avLst/>
-          </a:prstGeom>
-        </p:spPr>
-      </p:pic>
-    </p:spTree>
-    <p:extLst>
-      <p:ext uri="{BB962C8B-B14F-4D97-AF65-F5344CB8AC3E}">
-        <p14:creationId xmlns:p14="http://schemas.microsoft.com/office/powerpoint/2010/main" val="1935526804"/>
-      </p:ext>
-    </p:extLst>
-  </p:cSld>
-  <p:clrMapOvr>
-    <a:masterClrMapping/>
-  </p:clrMapOvr>
-</p:sld>
-</file>
-
-<file path=ppt/slides/slide12.xml><?xml version="1.0" encoding="utf-8"?>
-<p:sld xmlns:a="http://schemas.openxmlformats.org/drawingml/2006/main" xmlns:r="http://schemas.openxmlformats.org/officeDocument/2006/relationships" xmlns:p="http://schemas.openxmlformats.org/presentationml/2006/main">
-  <p:cSld>
-    <p:spTree>
-      <p:nvGrpSpPr>
-        <p:cNvPr id="1" name=""/>
-        <p:cNvGrpSpPr/>
-        <p:nvPr/>
-      </p:nvGrpSpPr>
-      <p:grpSpPr>
-        <a:xfrm>
-          <a:off x="0" y="0"/>
-          <a:ext cx="0" cy="0"/>
-          <a:chOff x="0" y="0"/>
-          <a:chExt cx="0" cy="0"/>
-        </a:xfrm>
-      </p:grpSpPr>
-      <p:sp>
-        <p:nvSpPr>
-          <p:cNvPr id="2" name="Title 1">
-            <a:extLst>
-              <a:ext uri="{FF2B5EF4-FFF2-40B4-BE49-F238E27FC236}">
-                <a16:creationId xmlns:a16="http://schemas.microsoft.com/office/drawing/2014/main" id="{00BA604A-0B6C-4F63-A010-095EE108F2F5}"/>
-              </a:ext>
-            </a:extLst>
-          </p:cNvPr>
-          <p:cNvSpPr>
-            <a:spLocks noGrp="1"/>
-          </p:cNvSpPr>
-          <p:nvPr>
-            <p:ph type="title"/>
-          </p:nvPr>
-        </p:nvSpPr>
-        <p:spPr>
-          <a:xfrm>
-            <a:off x="838200" y="681037"/>
-            <a:ext cx="10515600" cy="1325563"/>
-          </a:xfrm>
-        </p:spPr>
-        <p:txBody>
-          <a:bodyPr>
-            <a:normAutofit fontScale="90000"/>
-          </a:bodyPr>
-          <a:lstStyle/>
-          <a:p>
-            <a:r>
-              <a:rPr lang="en-US" dirty="0"/>
-              <a:t>TECHNIQUES AND SELECTED   MODELS</a:t>
-            </a:r>
-          </a:p>
-        </p:txBody>
-      </p:sp>
-      <p:sp>
-        <p:nvSpPr>
-          <p:cNvPr id="3" name="Content Placeholder 2">
-            <a:extLst>
-              <a:ext uri="{FF2B5EF4-FFF2-40B4-BE49-F238E27FC236}">
-                <a16:creationId xmlns:a16="http://schemas.microsoft.com/office/drawing/2014/main" id="{33A6D711-E1D6-4105-87FF-C29AAC83BBE9}"/>
-              </a:ext>
-            </a:extLst>
-          </p:cNvPr>
-          <p:cNvSpPr>
-            <a:spLocks noGrp="1"/>
-          </p:cNvSpPr>
-          <p:nvPr>
-            <p:ph idx="1"/>
-          </p:nvPr>
-        </p:nvSpPr>
-        <p:spPr>
-          <a:xfrm>
-            <a:off x="979100" y="2006600"/>
-            <a:ext cx="10233800" cy="4351338"/>
-          </a:xfrm>
-        </p:spPr>
-        <p:txBody>
-          <a:bodyPr/>
-          <a:lstStyle/>
-          <a:p>
-            <a:endParaRPr lang="en-US" dirty="0"/>
-          </a:p>
-          <a:p>
-            <a:r>
-              <a:rPr lang="en-US" dirty="0"/>
-              <a:t>Neural Network in combination with LSTM </a:t>
-            </a:r>
-          </a:p>
-          <a:p>
-            <a:endParaRPr lang="en-US" dirty="0"/>
-          </a:p>
-          <a:p>
-            <a:r>
-              <a:rPr lang="en-US" dirty="0"/>
-              <a:t>Techniques - </a:t>
-            </a:r>
-          </a:p>
-          <a:p>
-            <a:pPr marL="914400" lvl="1" indent="-457200">
-              <a:buFont typeface="+mj-lt"/>
-              <a:buAutoNum type="arabicPeriod"/>
-            </a:pPr>
-            <a:r>
-              <a:rPr lang="en-US" dirty="0" err="1"/>
-              <a:t>Keras</a:t>
-            </a:r>
-            <a:r>
-              <a:rPr lang="en-US" dirty="0"/>
-              <a:t> – NN &amp; LSTM </a:t>
-            </a:r>
-          </a:p>
-          <a:p>
-            <a:pPr marL="914400" lvl="1" indent="-457200">
-              <a:buFont typeface="+mj-lt"/>
-              <a:buAutoNum type="arabicPeriod"/>
-            </a:pPr>
-            <a:r>
-              <a:rPr lang="en-US" dirty="0"/>
-              <a:t>Music21 – toolkit used to analyze and transforming music files</a:t>
-            </a:r>
-          </a:p>
-          <a:p>
-            <a:pPr marL="914400" lvl="1" indent="-457200">
-              <a:buFont typeface="+mj-lt"/>
-              <a:buAutoNum type="arabicPeriod"/>
-            </a:pPr>
-            <a:r>
-              <a:rPr lang="en-US" dirty="0"/>
-              <a:t>Pandas – Data analysis toolkit </a:t>
-            </a:r>
-          </a:p>
-        </p:txBody>
-      </p:sp>
-    </p:spTree>
-    <p:extLst>
-      <p:ext uri="{BB962C8B-B14F-4D97-AF65-F5344CB8AC3E}">
-        <p14:creationId xmlns:p14="http://schemas.microsoft.com/office/powerpoint/2010/main" val="803891394"/>
-      </p:ext>
-    </p:extLst>
-  </p:cSld>
-  <p:clrMapOvr>
-    <a:masterClrMapping/>
-  </p:clrMapOvr>
-</p:sld>
-</file>
-
-<file path=ppt/slides/slide13.xml><?xml version="1.0" encoding="utf-8"?>
-<p:sld xmlns:a="http://schemas.openxmlformats.org/drawingml/2006/main" xmlns:r="http://schemas.openxmlformats.org/officeDocument/2006/relationships" xmlns:p="http://schemas.openxmlformats.org/presentationml/2006/main">
-  <p:cSld>
-    <p:spTree>
-      <p:nvGrpSpPr>
-        <p:cNvPr id="1" name=""/>
-        <p:cNvGrpSpPr/>
-        <p:nvPr/>
-      </p:nvGrpSpPr>
-      <p:grpSpPr>
-        <a:xfrm>
-          <a:off x="0" y="0"/>
-          <a:ext cx="0" cy="0"/>
-          <a:chOff x="0" y="0"/>
-          <a:chExt cx="0" cy="0"/>
-        </a:xfrm>
-      </p:grpSpPr>
-      <p:sp>
-        <p:nvSpPr>
-          <p:cNvPr id="2" name="Title 1">
-            <a:extLst>
-              <a:ext uri="{FF2B5EF4-FFF2-40B4-BE49-F238E27FC236}">
-                <a16:creationId xmlns:a16="http://schemas.microsoft.com/office/drawing/2014/main" id="{FC4EA1A7-31E8-4B52-9C79-1B446B5AD137}"/>
-              </a:ext>
-            </a:extLst>
-          </p:cNvPr>
-          <p:cNvSpPr>
-            <a:spLocks noGrp="1"/>
-          </p:cNvSpPr>
-          <p:nvPr>
-            <p:ph type="title"/>
-          </p:nvPr>
-        </p:nvSpPr>
-        <p:spPr>
-          <a:xfrm>
-            <a:off x="750367" y="2743485"/>
-            <a:ext cx="10691265" cy="1371030"/>
-          </a:xfrm>
-        </p:spPr>
-        <p:txBody>
-          <a:bodyPr/>
-          <a:lstStyle/>
-          <a:p>
-            <a:r>
-              <a:rPr lang="en-US" b="1" dirty="0">
-                <a:latin typeface="SF UI Display" panose="00000500000000000000" pitchFamily="50" charset="0"/>
-              </a:rPr>
-              <a:t>Suggestions </a:t>
-            </a:r>
-            <a:endParaRPr lang="en-US" dirty="0">
-              <a:latin typeface="SF UI Display" panose="00000500000000000000" pitchFamily="50" charset="0"/>
-            </a:endParaRPr>
-          </a:p>
-        </p:txBody>
-      </p:sp>
-    </p:spTree>
-    <p:extLst>
-      <p:ext uri="{BB962C8B-B14F-4D97-AF65-F5344CB8AC3E}">
-        <p14:creationId xmlns:p14="http://schemas.microsoft.com/office/powerpoint/2010/main" val="165492676"/>
-      </p:ext>
-    </p:extLst>
-  </p:cSld>
-  <p:clrMapOvr>
-    <a:masterClrMapping/>
-  </p:clrMapOvr>
-</p:sld>
-</file>
-
-<file path=ppt/slides/slide14.xml><?xml version="1.0" encoding="utf-8"?>
-<p:sld xmlns:a="http://schemas.openxmlformats.org/drawingml/2006/main" xmlns:r="http://schemas.openxmlformats.org/officeDocument/2006/relationships" xmlns:p="http://schemas.openxmlformats.org/presentationml/2006/main" show="0">
-  <p:cSld>
-    <p:spTree>
-      <p:nvGrpSpPr>
-        <p:cNvPr id="1" name=""/>
-        <p:cNvGrpSpPr/>
-        <p:nvPr/>
-      </p:nvGrpSpPr>
-      <p:grpSpPr>
-        <a:xfrm>
-          <a:off x="0" y="0"/>
-          <a:ext cx="0" cy="0"/>
-          <a:chOff x="0" y="0"/>
-          <a:chExt cx="0" cy="0"/>
-        </a:xfrm>
-      </p:grpSpPr>
-      <p:sp>
-        <p:nvSpPr>
-          <p:cNvPr id="2" name="Title 1">
-            <a:extLst>
-              <a:ext uri="{FF2B5EF4-FFF2-40B4-BE49-F238E27FC236}">
-                <a16:creationId xmlns:a16="http://schemas.microsoft.com/office/drawing/2014/main" id="{FC4EA1A7-31E8-4B52-9C79-1B446B5AD137}"/>
-              </a:ext>
-            </a:extLst>
-          </p:cNvPr>
-          <p:cNvSpPr>
-            <a:spLocks noGrp="1"/>
-          </p:cNvSpPr>
-          <p:nvPr>
-            <p:ph type="title"/>
-          </p:nvPr>
-        </p:nvSpPr>
-        <p:spPr>
-          <a:xfrm>
-            <a:off x="750367" y="2743485"/>
-            <a:ext cx="10691265" cy="1371030"/>
-          </a:xfrm>
-        </p:spPr>
-        <p:txBody>
-          <a:bodyPr/>
-          <a:lstStyle/>
-          <a:p>
-            <a:r>
-              <a:rPr lang="en-US" b="1" dirty="0">
-                <a:latin typeface="SF UI Display" panose="00000500000000000000" pitchFamily="50" charset="0"/>
-              </a:rPr>
-              <a:t>Thank you  </a:t>
-            </a:r>
-            <a:endParaRPr lang="en-US" dirty="0">
-              <a:latin typeface="SF UI Display" panose="00000500000000000000" pitchFamily="50" charset="0"/>
-            </a:endParaRPr>
-          </a:p>
-        </p:txBody>
-      </p:sp>
-    </p:spTree>
-    <p:extLst>
-      <p:ext uri="{BB962C8B-B14F-4D97-AF65-F5344CB8AC3E}">
-        <p14:creationId xmlns:p14="http://schemas.microsoft.com/office/powerpoint/2010/main" val="3227644548"/>
-      </p:ext>
-    </p:extLst>
-  </p:cSld>
-  <p:clrMapOvr>
-    <a:masterClrMapping/>
-  </p:clrMapOvr>
-</p:sld>
-</file>
-
-<file path=ppt/slides/slide2.xml><?xml version="1.0" encoding="utf-8"?>
-<p:sld xmlns:a="http://schemas.openxmlformats.org/drawingml/2006/main" xmlns:r="http://schemas.openxmlformats.org/officeDocument/2006/relationships" xmlns:p="http://schemas.openxmlformats.org/presentationml/2006/main">
-  <p:cSld>
-    <p:spTree>
-      <p:nvGrpSpPr>
-        <p:cNvPr id="1" name=""/>
-        <p:cNvGrpSpPr/>
-        <p:nvPr/>
-      </p:nvGrpSpPr>
-      <p:grpSpPr>
-        <a:xfrm>
-          <a:off x="0" y="0"/>
-          <a:ext cx="0" cy="0"/>
-          <a:chOff x="0" y="0"/>
-          <a:chExt cx="0" cy="0"/>
-        </a:xfrm>
-      </p:grpSpPr>
-      <p:sp>
-        <p:nvSpPr>
-          <p:cNvPr id="2" name="Title 1">
-            <a:extLst>
-              <a:ext uri="{FF2B5EF4-FFF2-40B4-BE49-F238E27FC236}">
-                <a16:creationId xmlns:a16="http://schemas.microsoft.com/office/drawing/2014/main" id="{26F588E7-2728-4010-A3AE-89413A321AC7}"/>
-              </a:ext>
-            </a:extLst>
-          </p:cNvPr>
-          <p:cNvSpPr>
-            <a:spLocks noGrp="1"/>
-          </p:cNvSpPr>
-          <p:nvPr>
-            <p:ph type="title"/>
-          </p:nvPr>
-        </p:nvSpPr>
-        <p:spPr/>
-        <p:txBody>
-          <a:bodyPr/>
-          <a:lstStyle/>
-          <a:p>
-            <a:r>
-              <a:rPr lang="en-US" b="1" dirty="0"/>
-              <a:t>LITERATURE REVIEW </a:t>
-            </a:r>
-          </a:p>
-        </p:txBody>
-      </p:sp>
-      <p:sp>
-        <p:nvSpPr>
-          <p:cNvPr id="3" name="Text Placeholder 2">
-            <a:extLst>
-              <a:ext uri="{FF2B5EF4-FFF2-40B4-BE49-F238E27FC236}">
-                <a16:creationId xmlns:a16="http://schemas.microsoft.com/office/drawing/2014/main" id="{1323DD35-92CC-4A4B-AA4C-5C7DBA2E4294}"/>
-              </a:ext>
-            </a:extLst>
-          </p:cNvPr>
-          <p:cNvSpPr>
-            <a:spLocks noGrp="1"/>
-          </p:cNvSpPr>
-          <p:nvPr>
-            <p:ph type="body" sz="half" idx="2"/>
-          </p:nvPr>
-        </p:nvSpPr>
-        <p:spPr/>
-        <p:txBody>
-          <a:bodyPr/>
-          <a:lstStyle/>
-          <a:p>
-            <a:endParaRPr lang="en-US"/>
-          </a:p>
-        </p:txBody>
-      </p:sp>
-    </p:spTree>
-    <p:extLst>
-      <p:ext uri="{BB962C8B-B14F-4D97-AF65-F5344CB8AC3E}">
-        <p14:creationId xmlns:p14="http://schemas.microsoft.com/office/powerpoint/2010/main" val="3060064654"/>
-      </p:ext>
-    </p:extLst>
-  </p:cSld>
-  <p:clrMapOvr>
-    <a:masterClrMapping/>
-  </p:clrMapOvr>
-</p:sld>
-</file>
-
-<file path=ppt/slides/slide3.xml><?xml version="1.0" encoding="utf-8"?>
-<p:sld xmlns:a="http://schemas.openxmlformats.org/drawingml/2006/main" xmlns:r="http://schemas.openxmlformats.org/officeDocument/2006/relationships" xmlns:p="http://schemas.openxmlformats.org/presentationml/2006/main">
-  <p:cSld>
-    <p:spTree>
-      <p:nvGrpSpPr>
-        <p:cNvPr id="1" name=""/>
-        <p:cNvGrpSpPr/>
-        <p:nvPr/>
-      </p:nvGrpSpPr>
-      <p:grpSpPr>
-        <a:xfrm>
-          <a:off x="0" y="0"/>
-          <a:ext cx="0" cy="0"/>
-          <a:chOff x="0" y="0"/>
-          <a:chExt cx="0" cy="0"/>
-        </a:xfrm>
-      </p:grpSpPr>
       <p:graphicFrame>
         <p:nvGraphicFramePr>
           <p:cNvPr id="4" name="Table 12">
@@ -6707,7 +6163,7 @@
           <p:nvPr>
             <p:extLst>
               <p:ext uri="{D42A27DB-BD31-4B8C-83A1-F6EECF244321}">
-                <p14:modId xmlns:p14="http://schemas.microsoft.com/office/powerpoint/2010/main" val="923136751"/>
+                <p14:modId xmlns:p14="http://schemas.microsoft.com/office/powerpoint/2010/main" val="647529278"/>
               </p:ext>
             </p:extLst>
           </p:nvPr>
@@ -7067,6 +6523,58 @@
                       </a:r>
                     </a:p>
                     <a:p>
+                      <a:r>
+                        <a:rPr lang="en-US" sz="1200" dirty="0">
+                          <a:latin typeface="SF UI Display" panose="00000500000000000000" pitchFamily="50" charset="0"/>
+                        </a:rPr>
+                        <a:t> </a:t>
+                      </a:r>
+                    </a:p>
+                    <a:p>
+                      <a:r>
+                        <a:rPr lang="en-US" sz="1200" dirty="0">
+                          <a:latin typeface="SF UI Display" panose="00000500000000000000" pitchFamily="50" charset="0"/>
+                        </a:rPr>
+                        <a:t>2017</a:t>
+                      </a:r>
+                    </a:p>
+                  </a:txBody>
+                  <a:tcPr/>
+                </a:tc>
+                <a:tc>
+                  <a:txBody>
+                    <a:bodyPr/>
+                    <a:lstStyle/>
+                    <a:p>
+                      <a:pPr marL="0" marR="0" lvl="0" indent="0" algn="l" defTabSz="914400" rtl="0" eaLnBrk="1" fontAlgn="auto" latinLnBrk="0" hangingPunct="1">
+                        <a:lnSpc>
+                          <a:spcPct val="100000"/>
+                        </a:lnSpc>
+                        <a:spcBef>
+                          <a:spcPts val="0"/>
+                        </a:spcBef>
+                        <a:spcAft>
+                          <a:spcPts val="0"/>
+                        </a:spcAft>
+                        <a:buClrTx/>
+                        <a:buSzTx/>
+                        <a:buFontTx/>
+                        <a:buNone/>
+                        <a:tabLst/>
+                        <a:defRPr/>
+                      </a:pPr>
+                      <a:r>
+                        <a:rPr lang="en-US" sz="1200" dirty="0"/>
+                        <a:t>Research Center for Information Technology Innovation, Academia </a:t>
+                      </a:r>
+                      <a:r>
+                        <a:rPr lang="en-US" sz="1200" dirty="0" err="1"/>
+                        <a:t>Sinica</a:t>
+                      </a:r>
+                      <a:r>
+                        <a:rPr lang="en-US" sz="1200" dirty="0"/>
+                        <a:t>, Taipei, Taiwan &amp; Department of Computer Science, National Tsing Hua University, Hsinchu, Taiwan</a:t>
+                      </a:r>
                       <a:endParaRPr lang="en-US" sz="1200" dirty="0">
                         <a:latin typeface="SF UI Display" panose="00000500000000000000" pitchFamily="50" charset="0"/>
                       </a:endParaRPr>
@@ -7098,47 +6606,6 @@
                       </a:pPr>
                       <a:r>
                         <a:rPr lang="en-US" sz="1200" dirty="0"/>
-                        <a:t>Research Center for Information Technology Innovation, Academia </a:t>
-                      </a:r>
-                      <a:r>
-                        <a:rPr lang="en-US" sz="1200" dirty="0" err="1"/>
-                        <a:t>Sinica</a:t>
-                      </a:r>
-                      <a:r>
-                        <a:rPr lang="en-US" sz="1200" dirty="0"/>
-                        <a:t>, Taipei, Taiwan &amp; Department of Computer Science, National Tsing Hua University, Hsinchu, Taiwan</a:t>
-                      </a:r>
-                      <a:endParaRPr lang="en-US" sz="1200" dirty="0">
-                        <a:latin typeface="SF UI Display" panose="00000500000000000000" pitchFamily="50" charset="0"/>
-                      </a:endParaRPr>
-                    </a:p>
-                  </a:txBody>
-                  <a:tcPr/>
-                </a:tc>
-                <a:tc>
-                  <a:txBody>
-                    <a:bodyPr/>
-                    <a:lstStyle/>
-                    <a:p>
-                      <a:pPr marL="0" marR="0" lvl="0" indent="0" algn="l" defTabSz="914400" rtl="0" eaLnBrk="1" fontAlgn="auto" latinLnBrk="0" hangingPunct="1">
-                        <a:lnSpc>
-                          <a:spcPct val="100000"/>
-                        </a:lnSpc>
-                        <a:spcBef>
-                          <a:spcPts val="0"/>
-                        </a:spcBef>
-                        <a:spcAft>
-                          <a:spcPts val="0"/>
-                        </a:spcAft>
-                        <a:buClrTx/>
-                        <a:buSzTx/>
-                        <a:buFontTx/>
-                        <a:buNone/>
-                        <a:tabLst/>
-                        <a:defRPr/>
-                      </a:pPr>
-                      <a:r>
-                        <a:rPr lang="en-US" sz="1200" dirty="0"/>
                         <a:t>considering bars as the basic compositional unit for the fact that harmonic changes (e.g., chord changes) usually occur at the boundaries of bars and that human beings often use bars as the building blocks when composing songs. The dataset is derived from Lakh MIDI dataset</a:t>
                       </a:r>
                       <a:endParaRPr lang="en-US" sz="1200" dirty="0">
@@ -7262,9 +6729,19 @@
                         <a:rPr lang="en-US" sz="1200" dirty="0"/>
                         <a:t>This Time with Feeling: Learning Expressive Musical Performance</a:t>
                       </a:r>
+                    </a:p>
+                    <a:p>
                       <a:endParaRPr lang="en-US" sz="1200" dirty="0">
                         <a:latin typeface="SF UI Display" panose="00000500000000000000" pitchFamily="50" charset="0"/>
                       </a:endParaRPr>
+                    </a:p>
+                    <a:p>
+                      <a:r>
+                        <a:rPr lang="en-US" sz="1200" dirty="0">
+                          <a:latin typeface="SF UI Display" panose="00000500000000000000" pitchFamily="50" charset="0"/>
+                        </a:rPr>
+                        <a:t>2018</a:t>
+                      </a:r>
                     </a:p>
                   </a:txBody>
                   <a:tcPr/>
@@ -7356,7 +6833,7 @@
 </p:sld>
 </file>
 
-<file path=ppt/slides/slide4.xml><?xml version="1.0" encoding="utf-8"?>
+<file path=ppt/slides/slide11.xml><?xml version="1.0" encoding="utf-8"?>
 <p:sld xmlns:a="http://schemas.openxmlformats.org/drawingml/2006/main" xmlns:r="http://schemas.openxmlformats.org/officeDocument/2006/relationships" xmlns:p="http://schemas.openxmlformats.org/presentationml/2006/main">
   <p:cSld>
     <p:spTree>
@@ -7388,7 +6865,7 @@
           <p:nvPr>
             <p:extLst>
               <p:ext uri="{D42A27DB-BD31-4B8C-83A1-F6EECF244321}">
-                <p14:modId xmlns:p14="http://schemas.microsoft.com/office/powerpoint/2010/main" val="873975231"/>
+                <p14:modId xmlns:p14="http://schemas.microsoft.com/office/powerpoint/2010/main" val="2548808557"/>
               </p:ext>
             </p:extLst>
           </p:nvPr>
@@ -7768,6 +7245,14 @@
                         <a:latin typeface="SF UI Display" panose="00000500000000000000" pitchFamily="50" charset="0"/>
                       </a:endParaRPr>
                     </a:p>
+                    <a:p>
+                      <a:r>
+                        <a:rPr lang="en-US" sz="1200" dirty="0">
+                          <a:latin typeface="SF UI Display" panose="00000500000000000000" pitchFamily="50" charset="0"/>
+                        </a:rPr>
+                        <a:t>2019</a:t>
+                      </a:r>
+                    </a:p>
                   </a:txBody>
                   <a:tcPr/>
                 </a:tc>
@@ -8146,6 +7631,14 @@
                       <a:endParaRPr lang="en-US" sz="1200" dirty="0">
                         <a:latin typeface="SF UI Display" panose="00000500000000000000" pitchFamily="50" charset="0"/>
                       </a:endParaRPr>
+                    </a:p>
+                    <a:p>
+                      <a:r>
+                        <a:rPr lang="en-US" sz="1200" dirty="0">
+                          <a:latin typeface="SF UI Display" panose="00000500000000000000" pitchFamily="50" charset="0"/>
+                        </a:rPr>
+                        <a:t>2020</a:t>
+                      </a:r>
                     </a:p>
                   </a:txBody>
                   <a:tcPr/>
@@ -8286,7 +7779,7 @@
 </p:sld>
 </file>
 
-<file path=ppt/slides/slide5.xml><?xml version="1.0" encoding="utf-8"?>
+<file path=ppt/slides/slide12.xml><?xml version="1.0" encoding="utf-8"?>
 <p:sld xmlns:a="http://schemas.openxmlformats.org/drawingml/2006/main" xmlns:r="http://schemas.openxmlformats.org/officeDocument/2006/relationships" xmlns:p="http://schemas.openxmlformats.org/presentationml/2006/main">
   <p:cSld>
     <p:spTree>
@@ -8318,7 +7811,7 @@
           <p:nvPr>
             <p:extLst>
               <p:ext uri="{D42A27DB-BD31-4B8C-83A1-F6EECF244321}">
-                <p14:modId xmlns:p14="http://schemas.microsoft.com/office/powerpoint/2010/main" val="4291302335"/>
+                <p14:modId xmlns:p14="http://schemas.microsoft.com/office/powerpoint/2010/main" val="2232016274"/>
               </p:ext>
             </p:extLst>
           </p:nvPr>
@@ -8599,9 +8092,19 @@
                         <a:rPr lang="en-US" sz="1200" dirty="0"/>
                         <a:t>MIDINET: A CONVOLUTIONAL GENERATIVE ADVERSARIAL NETWORK FOR SYMBOLIC-DOMAIN MUSIC GENERATION</a:t>
                       </a:r>
+                    </a:p>
+                    <a:p>
                       <a:endParaRPr lang="en-US" sz="1200" dirty="0">
                         <a:latin typeface="SF UI Display" panose="00000500000000000000" pitchFamily="50" charset="0"/>
                       </a:endParaRPr>
+                    </a:p>
+                    <a:p>
+                      <a:r>
+                        <a:rPr lang="en-US" sz="1200" dirty="0">
+                          <a:latin typeface="SF UI Display" panose="00000500000000000000" pitchFamily="50" charset="0"/>
+                        </a:rPr>
+                        <a:t>2017</a:t>
+                      </a:r>
                     </a:p>
                   </a:txBody>
                   <a:tcPr/>
@@ -8729,7 +8232,143 @@
 </p:sld>
 </file>
 
-<file path=ppt/slides/slide6.xml><?xml version="1.0" encoding="utf-8"?>
+<file path=ppt/slides/slide13.xml><?xml version="1.0" encoding="utf-8"?>
+<p:sld xmlns:a="http://schemas.openxmlformats.org/drawingml/2006/main" xmlns:r="http://schemas.openxmlformats.org/officeDocument/2006/relationships" xmlns:p="http://schemas.openxmlformats.org/presentationml/2006/main">
+  <p:cSld>
+    <p:spTree>
+      <p:nvGrpSpPr>
+        <p:cNvPr id="1" name=""/>
+        <p:cNvGrpSpPr/>
+        <p:nvPr/>
+      </p:nvGrpSpPr>
+      <p:grpSpPr>
+        <a:xfrm>
+          <a:off x="0" y="0"/>
+          <a:ext cx="0" cy="0"/>
+          <a:chOff x="0" y="0"/>
+          <a:chExt cx="0" cy="0"/>
+        </a:xfrm>
+      </p:grpSpPr>
+      <p:sp>
+        <p:nvSpPr>
+          <p:cNvPr id="2" name="Title 1">
+            <a:extLst>
+              <a:ext uri="{FF2B5EF4-FFF2-40B4-BE49-F238E27FC236}">
+                <a16:creationId xmlns:a16="http://schemas.microsoft.com/office/drawing/2014/main" id="{FC4EA1A7-31E8-4B52-9C79-1B446B5AD137}"/>
+              </a:ext>
+            </a:extLst>
+          </p:cNvPr>
+          <p:cNvSpPr>
+            <a:spLocks noGrp="1"/>
+          </p:cNvSpPr>
+          <p:nvPr>
+            <p:ph type="title"/>
+          </p:nvPr>
+        </p:nvSpPr>
+        <p:spPr>
+          <a:xfrm>
+            <a:off x="750367" y="2743485"/>
+            <a:ext cx="10691265" cy="1371030"/>
+          </a:xfrm>
+        </p:spPr>
+        <p:txBody>
+          <a:bodyPr/>
+          <a:lstStyle/>
+          <a:p>
+            <a:r>
+              <a:rPr lang="en-US" b="1" dirty="0">
+                <a:latin typeface="SF UI Display" panose="00000500000000000000" pitchFamily="50" charset="0"/>
+              </a:rPr>
+              <a:t>Suggestions </a:t>
+            </a:r>
+            <a:endParaRPr lang="en-US" dirty="0">
+              <a:latin typeface="SF UI Display" panose="00000500000000000000" pitchFamily="50" charset="0"/>
+            </a:endParaRPr>
+          </a:p>
+        </p:txBody>
+      </p:sp>
+    </p:spTree>
+    <p:extLst>
+      <p:ext uri="{BB962C8B-B14F-4D97-AF65-F5344CB8AC3E}">
+        <p14:creationId xmlns:p14="http://schemas.microsoft.com/office/powerpoint/2010/main" val="165492676"/>
+      </p:ext>
+    </p:extLst>
+  </p:cSld>
+  <p:clrMapOvr>
+    <a:masterClrMapping/>
+  </p:clrMapOvr>
+</p:sld>
+</file>
+
+<file path=ppt/slides/slide14.xml><?xml version="1.0" encoding="utf-8"?>
+<p:sld xmlns:a="http://schemas.openxmlformats.org/drawingml/2006/main" xmlns:r="http://schemas.openxmlformats.org/officeDocument/2006/relationships" xmlns:p="http://schemas.openxmlformats.org/presentationml/2006/main" show="0">
+  <p:cSld>
+    <p:spTree>
+      <p:nvGrpSpPr>
+        <p:cNvPr id="1" name=""/>
+        <p:cNvGrpSpPr/>
+        <p:nvPr/>
+      </p:nvGrpSpPr>
+      <p:grpSpPr>
+        <a:xfrm>
+          <a:off x="0" y="0"/>
+          <a:ext cx="0" cy="0"/>
+          <a:chOff x="0" y="0"/>
+          <a:chExt cx="0" cy="0"/>
+        </a:xfrm>
+      </p:grpSpPr>
+      <p:sp>
+        <p:nvSpPr>
+          <p:cNvPr id="2" name="Title 1">
+            <a:extLst>
+              <a:ext uri="{FF2B5EF4-FFF2-40B4-BE49-F238E27FC236}">
+                <a16:creationId xmlns:a16="http://schemas.microsoft.com/office/drawing/2014/main" id="{FC4EA1A7-31E8-4B52-9C79-1B446B5AD137}"/>
+              </a:ext>
+            </a:extLst>
+          </p:cNvPr>
+          <p:cNvSpPr>
+            <a:spLocks noGrp="1"/>
+          </p:cNvSpPr>
+          <p:nvPr>
+            <p:ph type="title"/>
+          </p:nvPr>
+        </p:nvSpPr>
+        <p:spPr>
+          <a:xfrm>
+            <a:off x="750367" y="2743485"/>
+            <a:ext cx="10691265" cy="1371030"/>
+          </a:xfrm>
+        </p:spPr>
+        <p:txBody>
+          <a:bodyPr/>
+          <a:lstStyle/>
+          <a:p>
+            <a:r>
+              <a:rPr lang="en-US" b="1" dirty="0">
+                <a:latin typeface="SF UI Display" panose="00000500000000000000" pitchFamily="50" charset="0"/>
+              </a:rPr>
+              <a:t>Thank you  </a:t>
+            </a:r>
+            <a:endParaRPr lang="en-US" dirty="0">
+              <a:latin typeface="SF UI Display" panose="00000500000000000000" pitchFamily="50" charset="0"/>
+            </a:endParaRPr>
+          </a:p>
+        </p:txBody>
+      </p:sp>
+    </p:spTree>
+    <p:extLst>
+      <p:ext uri="{BB962C8B-B14F-4D97-AF65-F5344CB8AC3E}">
+        <p14:creationId xmlns:p14="http://schemas.microsoft.com/office/powerpoint/2010/main" val="3227644548"/>
+      </p:ext>
+    </p:extLst>
+  </p:cSld>
+  <p:clrMapOvr>
+    <a:masterClrMapping/>
+  </p:clrMapOvr>
+</p:sld>
+</file>
+
+<file path=ppt/slides/slide2.xml><?xml version="1.0" encoding="utf-8"?>
 <p:sld xmlns:a="http://schemas.openxmlformats.org/drawingml/2006/main" xmlns:r="http://schemas.openxmlformats.org/officeDocument/2006/relationships" xmlns:p="http://schemas.openxmlformats.org/presentationml/2006/main">
   <p:cSld>
     <p:spTree>
@@ -8823,7 +8462,7 @@
 </p:sld>
 </file>
 
-<file path=ppt/slides/slide7.xml><?xml version="1.0" encoding="utf-8"?>
+<file path=ppt/slides/slide3.xml><?xml version="1.0" encoding="utf-8"?>
 <p:sld xmlns:a="http://schemas.openxmlformats.org/drawingml/2006/main" xmlns:r="http://schemas.openxmlformats.org/officeDocument/2006/relationships" xmlns:p="http://schemas.openxmlformats.org/presentationml/2006/main">
   <p:cSld>
     <p:spTree>
@@ -10296,7 +9935,7 @@
 </p:sld>
 </file>
 
-<file path=ppt/slides/slide8.xml><?xml version="1.0" encoding="utf-8"?>
+<file path=ppt/slides/slide4.xml><?xml version="1.0" encoding="utf-8"?>
 <p:sld xmlns:a="http://schemas.openxmlformats.org/drawingml/2006/main" xmlns:r="http://schemas.openxmlformats.org/officeDocument/2006/relationships" xmlns:p="http://schemas.openxmlformats.org/presentationml/2006/main">
   <p:cSld>
     <p:spTree>
@@ -10413,7 +10052,7 @@
 </p:sld>
 </file>
 
-<file path=ppt/slides/slide9.xml><?xml version="1.0" encoding="utf-8"?>
+<file path=ppt/slides/slide5.xml><?xml version="1.0" encoding="utf-8"?>
 <p:sld xmlns:a="http://schemas.openxmlformats.org/drawingml/2006/main" xmlns:r="http://schemas.openxmlformats.org/officeDocument/2006/relationships" xmlns:p="http://schemas.openxmlformats.org/presentationml/2006/main">
   <p:cSld>
     <p:spTree>
@@ -10464,6 +10103,414 @@
     <p:extLst>
       <p:ext uri="{BB962C8B-B14F-4D97-AF65-F5344CB8AC3E}">
         <p14:creationId xmlns:p14="http://schemas.microsoft.com/office/powerpoint/2010/main" val="3751772546"/>
+      </p:ext>
+    </p:extLst>
+  </p:cSld>
+  <p:clrMapOvr>
+    <a:masterClrMapping/>
+  </p:clrMapOvr>
+</p:sld>
+</file>
+
+<file path=ppt/slides/slide6.xml><?xml version="1.0" encoding="utf-8"?>
+<p:sld xmlns:a="http://schemas.openxmlformats.org/drawingml/2006/main" xmlns:r="http://schemas.openxmlformats.org/officeDocument/2006/relationships" xmlns:p="http://schemas.openxmlformats.org/presentationml/2006/main">
+  <p:cSld>
+    <p:spTree>
+      <p:nvGrpSpPr>
+        <p:cNvPr id="1" name=""/>
+        <p:cNvGrpSpPr/>
+        <p:nvPr/>
+      </p:nvGrpSpPr>
+      <p:grpSpPr>
+        <a:xfrm>
+          <a:off x="0" y="0"/>
+          <a:ext cx="0" cy="0"/>
+          <a:chOff x="0" y="0"/>
+          <a:chExt cx="0" cy="0"/>
+        </a:xfrm>
+      </p:grpSpPr>
+      <p:sp>
+        <p:nvSpPr>
+          <p:cNvPr id="2" name="Title 1">
+            <a:extLst>
+              <a:ext uri="{FF2B5EF4-FFF2-40B4-BE49-F238E27FC236}">
+                <a16:creationId xmlns:a16="http://schemas.microsoft.com/office/drawing/2014/main" id="{088231FC-68E4-4CAF-897F-2F4CBDBDE5B8}"/>
+              </a:ext>
+            </a:extLst>
+          </p:cNvPr>
+          <p:cNvSpPr>
+            <a:spLocks noGrp="1"/>
+          </p:cNvSpPr>
+          <p:nvPr>
+            <p:ph type="title"/>
+          </p:nvPr>
+        </p:nvSpPr>
+        <p:spPr/>
+        <p:txBody>
+          <a:bodyPr/>
+          <a:lstStyle/>
+          <a:p>
+            <a:r>
+              <a:rPr lang="en-US" dirty="0"/>
+              <a:t>PRE-PROCESSING CODE </a:t>
+            </a:r>
+          </a:p>
+        </p:txBody>
+      </p:sp>
+      <p:pic>
+        <p:nvPicPr>
+          <p:cNvPr id="5" name="Content Placeholder 4">
+            <a:extLst>
+              <a:ext uri="{FF2B5EF4-FFF2-40B4-BE49-F238E27FC236}">
+                <a16:creationId xmlns:a16="http://schemas.microsoft.com/office/drawing/2014/main" id="{4FF17A3C-B902-4263-BB43-9248C72B50D9}"/>
+              </a:ext>
+            </a:extLst>
+          </p:cNvPr>
+          <p:cNvPicPr>
+            <a:picLocks noGrp="1" noChangeAspect="1"/>
+          </p:cNvPicPr>
+          <p:nvPr>
+            <p:ph idx="1"/>
+          </p:nvPr>
+        </p:nvPicPr>
+        <p:blipFill>
+          <a:blip r:embed="rId2"/>
+          <a:stretch>
+            <a:fillRect/>
+          </a:stretch>
+        </p:blipFill>
+        <p:spPr>
+          <a:xfrm>
+            <a:off x="838200" y="1807870"/>
+            <a:ext cx="8111232" cy="4351338"/>
+          </a:xfrm>
+        </p:spPr>
+      </p:pic>
+    </p:spTree>
+    <p:extLst>
+      <p:ext uri="{BB962C8B-B14F-4D97-AF65-F5344CB8AC3E}">
+        <p14:creationId xmlns:p14="http://schemas.microsoft.com/office/powerpoint/2010/main" val="4185559854"/>
+      </p:ext>
+    </p:extLst>
+  </p:cSld>
+  <p:clrMapOvr>
+    <a:masterClrMapping/>
+  </p:clrMapOvr>
+</p:sld>
+</file>
+
+<file path=ppt/slides/slide7.xml><?xml version="1.0" encoding="utf-8"?>
+<p:sld xmlns:a="http://schemas.openxmlformats.org/drawingml/2006/main" xmlns:r="http://schemas.openxmlformats.org/officeDocument/2006/relationships" xmlns:p="http://schemas.openxmlformats.org/presentationml/2006/main">
+  <p:cSld>
+    <p:spTree>
+      <p:nvGrpSpPr>
+        <p:cNvPr id="1" name=""/>
+        <p:cNvGrpSpPr/>
+        <p:nvPr/>
+      </p:nvGrpSpPr>
+      <p:grpSpPr>
+        <a:xfrm>
+          <a:off x="0" y="0"/>
+          <a:ext cx="0" cy="0"/>
+          <a:chOff x="0" y="0"/>
+          <a:chExt cx="0" cy="0"/>
+        </a:xfrm>
+      </p:grpSpPr>
+      <p:sp>
+        <p:nvSpPr>
+          <p:cNvPr id="2" name="Title 1">
+            <a:extLst>
+              <a:ext uri="{FF2B5EF4-FFF2-40B4-BE49-F238E27FC236}">
+                <a16:creationId xmlns:a16="http://schemas.microsoft.com/office/drawing/2014/main" id="{E841E6C5-04FC-4895-9CE2-967E3ED1A679}"/>
+              </a:ext>
+            </a:extLst>
+          </p:cNvPr>
+          <p:cNvSpPr>
+            <a:spLocks noGrp="1"/>
+          </p:cNvSpPr>
+          <p:nvPr>
+            <p:ph type="title"/>
+          </p:nvPr>
+        </p:nvSpPr>
+        <p:spPr/>
+        <p:txBody>
+          <a:bodyPr/>
+          <a:lstStyle/>
+          <a:p>
+            <a:r>
+              <a:rPr lang="en-US" dirty="0"/>
+              <a:t>PRE-PROCESSED DATA</a:t>
+            </a:r>
+          </a:p>
+        </p:txBody>
+      </p:sp>
+      <p:pic>
+        <p:nvPicPr>
+          <p:cNvPr id="4" name="Picture 3" descr="A picture containing text&#10;&#10;Description automatically generated">
+            <a:extLst>
+              <a:ext uri="{FF2B5EF4-FFF2-40B4-BE49-F238E27FC236}">
+                <a16:creationId xmlns:a16="http://schemas.microsoft.com/office/drawing/2014/main" id="{8EF4680C-1C6A-4135-B8AD-37AAFF8F3BFF}"/>
+              </a:ext>
+            </a:extLst>
+          </p:cNvPr>
+          <p:cNvPicPr>
+            <a:picLocks noChangeAspect="1"/>
+          </p:cNvPicPr>
+          <p:nvPr/>
+        </p:nvPicPr>
+        <p:blipFill>
+          <a:blip r:embed="rId2">
+            <a:extLst>
+              <a:ext uri="{28A0092B-C50C-407E-A947-70E740481C1C}">
+                <a14:useLocalDpi xmlns:a14="http://schemas.microsoft.com/office/drawing/2010/main" val="0"/>
+              </a:ext>
+            </a:extLst>
+          </a:blip>
+          <a:stretch>
+            <a:fillRect/>
+          </a:stretch>
+        </p:blipFill>
+        <p:spPr>
+          <a:xfrm>
+            <a:off x="838200" y="2111644"/>
+            <a:ext cx="6324283" cy="3988849"/>
+          </a:xfrm>
+          <a:prstGeom prst="rect">
+            <a:avLst/>
+          </a:prstGeom>
+        </p:spPr>
+      </p:pic>
+    </p:spTree>
+    <p:extLst>
+      <p:ext uri="{BB962C8B-B14F-4D97-AF65-F5344CB8AC3E}">
+        <p14:creationId xmlns:p14="http://schemas.microsoft.com/office/powerpoint/2010/main" val="1935526804"/>
+      </p:ext>
+    </p:extLst>
+  </p:cSld>
+  <p:clrMapOvr>
+    <a:masterClrMapping/>
+  </p:clrMapOvr>
+</p:sld>
+</file>
+
+<file path=ppt/slides/slide8.xml><?xml version="1.0" encoding="utf-8"?>
+<p:sld xmlns:a="http://schemas.openxmlformats.org/drawingml/2006/main" xmlns:r="http://schemas.openxmlformats.org/officeDocument/2006/relationships" xmlns:p="http://schemas.openxmlformats.org/presentationml/2006/main">
+  <p:cSld>
+    <p:spTree>
+      <p:nvGrpSpPr>
+        <p:cNvPr id="1" name=""/>
+        <p:cNvGrpSpPr/>
+        <p:nvPr/>
+      </p:nvGrpSpPr>
+      <p:grpSpPr>
+        <a:xfrm>
+          <a:off x="0" y="0"/>
+          <a:ext cx="0" cy="0"/>
+          <a:chOff x="0" y="0"/>
+          <a:chExt cx="0" cy="0"/>
+        </a:xfrm>
+      </p:grpSpPr>
+      <p:sp>
+        <p:nvSpPr>
+          <p:cNvPr id="2" name="Title 1">
+            <a:extLst>
+              <a:ext uri="{FF2B5EF4-FFF2-40B4-BE49-F238E27FC236}">
+                <a16:creationId xmlns:a16="http://schemas.microsoft.com/office/drawing/2014/main" id="{00BA604A-0B6C-4F63-A010-095EE108F2F5}"/>
+              </a:ext>
+            </a:extLst>
+          </p:cNvPr>
+          <p:cNvSpPr>
+            <a:spLocks noGrp="1"/>
+          </p:cNvSpPr>
+          <p:nvPr>
+            <p:ph type="title"/>
+          </p:nvPr>
+        </p:nvSpPr>
+        <p:spPr>
+          <a:xfrm>
+            <a:off x="838200" y="681037"/>
+            <a:ext cx="10515600" cy="1325563"/>
+          </a:xfrm>
+        </p:spPr>
+        <p:txBody>
+          <a:bodyPr>
+            <a:normAutofit fontScale="90000"/>
+          </a:bodyPr>
+          <a:lstStyle/>
+          <a:p>
+            <a:r>
+              <a:rPr lang="en-US" dirty="0"/>
+              <a:t>TECHNIQUES AND SELECTED   MODELS</a:t>
+            </a:r>
+          </a:p>
+        </p:txBody>
+      </p:sp>
+      <p:sp>
+        <p:nvSpPr>
+          <p:cNvPr id="3" name="Content Placeholder 2">
+            <a:extLst>
+              <a:ext uri="{FF2B5EF4-FFF2-40B4-BE49-F238E27FC236}">
+                <a16:creationId xmlns:a16="http://schemas.microsoft.com/office/drawing/2014/main" id="{33A6D711-E1D6-4105-87FF-C29AAC83BBE9}"/>
+              </a:ext>
+            </a:extLst>
+          </p:cNvPr>
+          <p:cNvSpPr>
+            <a:spLocks noGrp="1"/>
+          </p:cNvSpPr>
+          <p:nvPr>
+            <p:ph idx="1"/>
+          </p:nvPr>
+        </p:nvSpPr>
+        <p:spPr>
+          <a:xfrm>
+            <a:off x="979100" y="2006600"/>
+            <a:ext cx="10233800" cy="4351338"/>
+          </a:xfrm>
+        </p:spPr>
+        <p:txBody>
+          <a:bodyPr/>
+          <a:lstStyle/>
+          <a:p>
+            <a:endParaRPr lang="en-US" dirty="0"/>
+          </a:p>
+          <a:p>
+            <a:r>
+              <a:rPr lang="en-US" dirty="0"/>
+              <a:t>Neural Network in combination with LSTM </a:t>
+            </a:r>
+          </a:p>
+          <a:p>
+            <a:endParaRPr lang="en-US" dirty="0"/>
+          </a:p>
+          <a:p>
+            <a:r>
+              <a:rPr lang="en-US" dirty="0"/>
+              <a:t>Techniques - </a:t>
+            </a:r>
+          </a:p>
+          <a:p>
+            <a:pPr marL="914400" lvl="1" indent="-457200">
+              <a:buFont typeface="+mj-lt"/>
+              <a:buAutoNum type="arabicPeriod"/>
+            </a:pPr>
+            <a:r>
+              <a:rPr lang="en-US" dirty="0" err="1"/>
+              <a:t>Keras</a:t>
+            </a:r>
+            <a:r>
+              <a:rPr lang="en-US" dirty="0"/>
+              <a:t> – NN &amp; LSTM </a:t>
+            </a:r>
+          </a:p>
+          <a:p>
+            <a:pPr marL="914400" lvl="1" indent="-457200">
+              <a:buFont typeface="+mj-lt"/>
+              <a:buAutoNum type="arabicPeriod"/>
+            </a:pPr>
+            <a:r>
+              <a:rPr lang="en-US" dirty="0"/>
+              <a:t>Music21 – toolkit used to analyze and transforming music files</a:t>
+            </a:r>
+          </a:p>
+          <a:p>
+            <a:pPr marL="914400" lvl="1" indent="-457200">
+              <a:buFont typeface="+mj-lt"/>
+              <a:buAutoNum type="arabicPeriod"/>
+            </a:pPr>
+            <a:r>
+              <a:rPr lang="en-US" dirty="0"/>
+              <a:t>Pandas – Data analysis toolkit </a:t>
+            </a:r>
+          </a:p>
+        </p:txBody>
+      </p:sp>
+    </p:spTree>
+    <p:extLst>
+      <p:ext uri="{BB962C8B-B14F-4D97-AF65-F5344CB8AC3E}">
+        <p14:creationId xmlns:p14="http://schemas.microsoft.com/office/powerpoint/2010/main" val="803891394"/>
+      </p:ext>
+    </p:extLst>
+  </p:cSld>
+  <p:clrMapOvr>
+    <a:masterClrMapping/>
+  </p:clrMapOvr>
+</p:sld>
+</file>
+
+<file path=ppt/slides/slide9.xml><?xml version="1.0" encoding="utf-8"?>
+<p:sld xmlns:a="http://schemas.openxmlformats.org/drawingml/2006/main" xmlns:r="http://schemas.openxmlformats.org/officeDocument/2006/relationships" xmlns:p="http://schemas.openxmlformats.org/presentationml/2006/main">
+  <p:cSld>
+    <p:spTree>
+      <p:nvGrpSpPr>
+        <p:cNvPr id="1" name=""/>
+        <p:cNvGrpSpPr/>
+        <p:nvPr/>
+      </p:nvGrpSpPr>
+      <p:grpSpPr>
+        <a:xfrm>
+          <a:off x="0" y="0"/>
+          <a:ext cx="0" cy="0"/>
+          <a:chOff x="0" y="0"/>
+          <a:chExt cx="0" cy="0"/>
+        </a:xfrm>
+      </p:grpSpPr>
+      <p:sp>
+        <p:nvSpPr>
+          <p:cNvPr id="2" name="Title 1">
+            <a:extLst>
+              <a:ext uri="{FF2B5EF4-FFF2-40B4-BE49-F238E27FC236}">
+                <a16:creationId xmlns:a16="http://schemas.microsoft.com/office/drawing/2014/main" id="{26F588E7-2728-4010-A3AE-89413A321AC7}"/>
+              </a:ext>
+            </a:extLst>
+          </p:cNvPr>
+          <p:cNvSpPr>
+            <a:spLocks noGrp="1"/>
+          </p:cNvSpPr>
+          <p:nvPr>
+            <p:ph type="title"/>
+          </p:nvPr>
+        </p:nvSpPr>
+        <p:spPr/>
+        <p:txBody>
+          <a:bodyPr/>
+          <a:lstStyle/>
+          <a:p>
+            <a:r>
+              <a:rPr lang="en-US" b="1" dirty="0"/>
+              <a:t>LITERATURE REVIEW </a:t>
+            </a:r>
+          </a:p>
+        </p:txBody>
+      </p:sp>
+      <p:sp>
+        <p:nvSpPr>
+          <p:cNvPr id="3" name="Text Placeholder 2">
+            <a:extLst>
+              <a:ext uri="{FF2B5EF4-FFF2-40B4-BE49-F238E27FC236}">
+                <a16:creationId xmlns:a16="http://schemas.microsoft.com/office/drawing/2014/main" id="{1323DD35-92CC-4A4B-AA4C-5C7DBA2E4294}"/>
+              </a:ext>
+            </a:extLst>
+          </p:cNvPr>
+          <p:cNvSpPr>
+            <a:spLocks noGrp="1"/>
+          </p:cNvSpPr>
+          <p:nvPr>
+            <p:ph type="body" sz="half" idx="2"/>
+          </p:nvPr>
+        </p:nvSpPr>
+        <p:spPr/>
+        <p:txBody>
+          <a:bodyPr/>
+          <a:lstStyle/>
+          <a:p>
+            <a:endParaRPr lang="en-US"/>
+          </a:p>
+        </p:txBody>
+      </p:sp>
+    </p:spTree>
+    <p:extLst>
+      <p:ext uri="{BB962C8B-B14F-4D97-AF65-F5344CB8AC3E}">
+        <p14:creationId xmlns:p14="http://schemas.microsoft.com/office/powerpoint/2010/main" val="3060064654"/>
       </p:ext>
     </p:extLst>
   </p:cSld>

--- a/presentations/aids_review2.pptx
+++ b/presentations/aids_review2.pptx
@@ -10,9 +10,9 @@
     <p:sldId id="450" r:id="rId4"/>
     <p:sldId id="258" r:id="rId5"/>
     <p:sldId id="267" r:id="rId6"/>
-    <p:sldId id="259" r:id="rId7"/>
-    <p:sldId id="455" r:id="rId8"/>
-    <p:sldId id="260" r:id="rId9"/>
+    <p:sldId id="260" r:id="rId7"/>
+    <p:sldId id="259" r:id="rId8"/>
+    <p:sldId id="455" r:id="rId9"/>
     <p:sldId id="265" r:id="rId10"/>
     <p:sldId id="262" r:id="rId11"/>
     <p:sldId id="263" r:id="rId12"/>
@@ -10134,6 +10134,150 @@
           <p:cNvPr id="2" name="Title 1">
             <a:extLst>
               <a:ext uri="{FF2B5EF4-FFF2-40B4-BE49-F238E27FC236}">
+                <a16:creationId xmlns:a16="http://schemas.microsoft.com/office/drawing/2014/main" id="{00BA604A-0B6C-4F63-A010-095EE108F2F5}"/>
+              </a:ext>
+            </a:extLst>
+          </p:cNvPr>
+          <p:cNvSpPr>
+            <a:spLocks noGrp="1"/>
+          </p:cNvSpPr>
+          <p:nvPr>
+            <p:ph type="title"/>
+          </p:nvPr>
+        </p:nvSpPr>
+        <p:spPr>
+          <a:xfrm>
+            <a:off x="838200" y="681037"/>
+            <a:ext cx="10515600" cy="1325563"/>
+          </a:xfrm>
+        </p:spPr>
+        <p:txBody>
+          <a:bodyPr>
+            <a:normAutofit fontScale="90000"/>
+          </a:bodyPr>
+          <a:lstStyle/>
+          <a:p>
+            <a:r>
+              <a:rPr lang="en-US" dirty="0"/>
+              <a:t>TECHNIQUES AND SELECTED   MODELS</a:t>
+            </a:r>
+          </a:p>
+        </p:txBody>
+      </p:sp>
+      <p:sp>
+        <p:nvSpPr>
+          <p:cNvPr id="3" name="Content Placeholder 2">
+            <a:extLst>
+              <a:ext uri="{FF2B5EF4-FFF2-40B4-BE49-F238E27FC236}">
+                <a16:creationId xmlns:a16="http://schemas.microsoft.com/office/drawing/2014/main" id="{33A6D711-E1D6-4105-87FF-C29AAC83BBE9}"/>
+              </a:ext>
+            </a:extLst>
+          </p:cNvPr>
+          <p:cNvSpPr>
+            <a:spLocks noGrp="1"/>
+          </p:cNvSpPr>
+          <p:nvPr>
+            <p:ph idx="1"/>
+          </p:nvPr>
+        </p:nvSpPr>
+        <p:spPr>
+          <a:xfrm>
+            <a:off x="979100" y="2006600"/>
+            <a:ext cx="10233800" cy="4351338"/>
+          </a:xfrm>
+        </p:spPr>
+        <p:txBody>
+          <a:bodyPr/>
+          <a:lstStyle/>
+          <a:p>
+            <a:endParaRPr lang="en-US" dirty="0"/>
+          </a:p>
+          <a:p>
+            <a:r>
+              <a:rPr lang="en-US" dirty="0"/>
+              <a:t>Neural Network in combination with LSTM </a:t>
+            </a:r>
+          </a:p>
+          <a:p>
+            <a:endParaRPr lang="en-US" dirty="0"/>
+          </a:p>
+          <a:p>
+            <a:r>
+              <a:rPr lang="en-US" dirty="0"/>
+              <a:t>Techniques - </a:t>
+            </a:r>
+          </a:p>
+          <a:p>
+            <a:pPr marL="914400" lvl="1" indent="-457200">
+              <a:buFont typeface="+mj-lt"/>
+              <a:buAutoNum type="arabicPeriod"/>
+            </a:pPr>
+            <a:r>
+              <a:rPr lang="en-US" dirty="0" err="1"/>
+              <a:t>Keras</a:t>
+            </a:r>
+            <a:r>
+              <a:rPr lang="en-US" dirty="0"/>
+              <a:t> – NN &amp; LSTM </a:t>
+            </a:r>
+          </a:p>
+          <a:p>
+            <a:pPr marL="914400" lvl="1" indent="-457200">
+              <a:buFont typeface="+mj-lt"/>
+              <a:buAutoNum type="arabicPeriod"/>
+            </a:pPr>
+            <a:r>
+              <a:rPr lang="en-US" dirty="0"/>
+              <a:t>Music21 – toolkit used to analyze and transforming music files</a:t>
+            </a:r>
+          </a:p>
+          <a:p>
+            <a:pPr marL="914400" lvl="1" indent="-457200">
+              <a:buFont typeface="+mj-lt"/>
+              <a:buAutoNum type="arabicPeriod"/>
+            </a:pPr>
+            <a:r>
+              <a:rPr lang="en-US" dirty="0"/>
+              <a:t>Pandas – Data analysis toolkit </a:t>
+            </a:r>
+          </a:p>
+        </p:txBody>
+      </p:sp>
+    </p:spTree>
+    <p:extLst>
+      <p:ext uri="{BB962C8B-B14F-4D97-AF65-F5344CB8AC3E}">
+        <p14:creationId xmlns:p14="http://schemas.microsoft.com/office/powerpoint/2010/main" val="803891394"/>
+      </p:ext>
+    </p:extLst>
+  </p:cSld>
+  <p:clrMapOvr>
+    <a:masterClrMapping/>
+  </p:clrMapOvr>
+</p:sld>
+</file>
+
+<file path=ppt/slides/slide7.xml><?xml version="1.0" encoding="utf-8"?>
+<p:sld xmlns:a="http://schemas.openxmlformats.org/drawingml/2006/main" xmlns:r="http://schemas.openxmlformats.org/officeDocument/2006/relationships" xmlns:p="http://schemas.openxmlformats.org/presentationml/2006/main">
+  <p:cSld>
+    <p:spTree>
+      <p:nvGrpSpPr>
+        <p:cNvPr id="1" name=""/>
+        <p:cNvGrpSpPr/>
+        <p:nvPr/>
+      </p:nvGrpSpPr>
+      <p:grpSpPr>
+        <a:xfrm>
+          <a:off x="0" y="0"/>
+          <a:ext cx="0" cy="0"/>
+          <a:chOff x="0" y="0"/>
+          <a:chExt cx="0" cy="0"/>
+        </a:xfrm>
+      </p:grpSpPr>
+      <p:sp>
+        <p:nvSpPr>
+          <p:cNvPr id="2" name="Title 1">
+            <a:extLst>
+              <a:ext uri="{FF2B5EF4-FFF2-40B4-BE49-F238E27FC236}">
                 <a16:creationId xmlns:a16="http://schemas.microsoft.com/office/drawing/2014/main" id="{088231FC-68E4-4CAF-897F-2F4CBDBDE5B8}"/>
               </a:ext>
             </a:extLst>
@@ -10199,7 +10343,7 @@
 </p:sld>
 </file>
 
-<file path=ppt/slides/slide7.xml><?xml version="1.0" encoding="utf-8"?>
+<file path=ppt/slides/slide8.xml><?xml version="1.0" encoding="utf-8"?>
 <p:sld xmlns:a="http://schemas.openxmlformats.org/drawingml/2006/main" xmlns:r="http://schemas.openxmlformats.org/officeDocument/2006/relationships" xmlns:p="http://schemas.openxmlformats.org/presentationml/2006/main">
   <p:cSld>
     <p:spTree>
@@ -10293,150 +10437,6 @@
 </p:sld>
 </file>
 
-<file path=ppt/slides/slide8.xml><?xml version="1.0" encoding="utf-8"?>
-<p:sld xmlns:a="http://schemas.openxmlformats.org/drawingml/2006/main" xmlns:r="http://schemas.openxmlformats.org/officeDocument/2006/relationships" xmlns:p="http://schemas.openxmlformats.org/presentationml/2006/main">
-  <p:cSld>
-    <p:spTree>
-      <p:nvGrpSpPr>
-        <p:cNvPr id="1" name=""/>
-        <p:cNvGrpSpPr/>
-        <p:nvPr/>
-      </p:nvGrpSpPr>
-      <p:grpSpPr>
-        <a:xfrm>
-          <a:off x="0" y="0"/>
-          <a:ext cx="0" cy="0"/>
-          <a:chOff x="0" y="0"/>
-          <a:chExt cx="0" cy="0"/>
-        </a:xfrm>
-      </p:grpSpPr>
-      <p:sp>
-        <p:nvSpPr>
-          <p:cNvPr id="2" name="Title 1">
-            <a:extLst>
-              <a:ext uri="{FF2B5EF4-FFF2-40B4-BE49-F238E27FC236}">
-                <a16:creationId xmlns:a16="http://schemas.microsoft.com/office/drawing/2014/main" id="{00BA604A-0B6C-4F63-A010-095EE108F2F5}"/>
-              </a:ext>
-            </a:extLst>
-          </p:cNvPr>
-          <p:cNvSpPr>
-            <a:spLocks noGrp="1"/>
-          </p:cNvSpPr>
-          <p:nvPr>
-            <p:ph type="title"/>
-          </p:nvPr>
-        </p:nvSpPr>
-        <p:spPr>
-          <a:xfrm>
-            <a:off x="838200" y="681037"/>
-            <a:ext cx="10515600" cy="1325563"/>
-          </a:xfrm>
-        </p:spPr>
-        <p:txBody>
-          <a:bodyPr>
-            <a:normAutofit fontScale="90000"/>
-          </a:bodyPr>
-          <a:lstStyle/>
-          <a:p>
-            <a:r>
-              <a:rPr lang="en-US" dirty="0"/>
-              <a:t>TECHNIQUES AND SELECTED   MODELS</a:t>
-            </a:r>
-          </a:p>
-        </p:txBody>
-      </p:sp>
-      <p:sp>
-        <p:nvSpPr>
-          <p:cNvPr id="3" name="Content Placeholder 2">
-            <a:extLst>
-              <a:ext uri="{FF2B5EF4-FFF2-40B4-BE49-F238E27FC236}">
-                <a16:creationId xmlns:a16="http://schemas.microsoft.com/office/drawing/2014/main" id="{33A6D711-E1D6-4105-87FF-C29AAC83BBE9}"/>
-              </a:ext>
-            </a:extLst>
-          </p:cNvPr>
-          <p:cNvSpPr>
-            <a:spLocks noGrp="1"/>
-          </p:cNvSpPr>
-          <p:nvPr>
-            <p:ph idx="1"/>
-          </p:nvPr>
-        </p:nvSpPr>
-        <p:spPr>
-          <a:xfrm>
-            <a:off x="979100" y="2006600"/>
-            <a:ext cx="10233800" cy="4351338"/>
-          </a:xfrm>
-        </p:spPr>
-        <p:txBody>
-          <a:bodyPr/>
-          <a:lstStyle/>
-          <a:p>
-            <a:endParaRPr lang="en-US" dirty="0"/>
-          </a:p>
-          <a:p>
-            <a:r>
-              <a:rPr lang="en-US" dirty="0"/>
-              <a:t>Neural Network in combination with LSTM </a:t>
-            </a:r>
-          </a:p>
-          <a:p>
-            <a:endParaRPr lang="en-US" dirty="0"/>
-          </a:p>
-          <a:p>
-            <a:r>
-              <a:rPr lang="en-US" dirty="0"/>
-              <a:t>Techniques - </a:t>
-            </a:r>
-          </a:p>
-          <a:p>
-            <a:pPr marL="914400" lvl="1" indent="-457200">
-              <a:buFont typeface="+mj-lt"/>
-              <a:buAutoNum type="arabicPeriod"/>
-            </a:pPr>
-            <a:r>
-              <a:rPr lang="en-US" dirty="0" err="1"/>
-              <a:t>Keras</a:t>
-            </a:r>
-            <a:r>
-              <a:rPr lang="en-US" dirty="0"/>
-              <a:t> – NN &amp; LSTM </a:t>
-            </a:r>
-          </a:p>
-          <a:p>
-            <a:pPr marL="914400" lvl="1" indent="-457200">
-              <a:buFont typeface="+mj-lt"/>
-              <a:buAutoNum type="arabicPeriod"/>
-            </a:pPr>
-            <a:r>
-              <a:rPr lang="en-US" dirty="0"/>
-              <a:t>Music21 – toolkit used to analyze and transforming music files</a:t>
-            </a:r>
-          </a:p>
-          <a:p>
-            <a:pPr marL="914400" lvl="1" indent="-457200">
-              <a:buFont typeface="+mj-lt"/>
-              <a:buAutoNum type="arabicPeriod"/>
-            </a:pPr>
-            <a:r>
-              <a:rPr lang="en-US" dirty="0"/>
-              <a:t>Pandas – Data analysis toolkit </a:t>
-            </a:r>
-          </a:p>
-        </p:txBody>
-      </p:sp>
-    </p:spTree>
-    <p:extLst>
-      <p:ext uri="{BB962C8B-B14F-4D97-AF65-F5344CB8AC3E}">
-        <p14:creationId xmlns:p14="http://schemas.microsoft.com/office/powerpoint/2010/main" val="803891394"/>
-      </p:ext>
-    </p:extLst>
-  </p:cSld>
-  <p:clrMapOvr>
-    <a:masterClrMapping/>
-  </p:clrMapOvr>
-</p:sld>
-</file>
-
 <file path=ppt/slides/slide9.xml><?xml version="1.0" encoding="utf-8"?>
 <p:sld xmlns:a="http://schemas.openxmlformats.org/drawingml/2006/main" xmlns:r="http://schemas.openxmlformats.org/officeDocument/2006/relationships" xmlns:p="http://schemas.openxmlformats.org/presentationml/2006/main">
   <p:cSld>
@@ -10476,9 +10476,10 @@
           <a:lstStyle/>
           <a:p>
             <a:r>
-              <a:rPr lang="en-US" b="1" dirty="0"/>
-              <a:t>LITERATURE REVIEW </a:t>
-            </a:r>
+              <a:rPr lang="en-US" b="1"/>
+              <a:t>REFERENCES </a:t>
+            </a:r>
+            <a:endParaRPr lang="en-US" b="1" dirty="0"/>
           </a:p>
         </p:txBody>
       </p:sp>

--- a/presentations/aids_review2.pptx
+++ b/presentations/aids_review2.pptx
@@ -10241,6 +10241,16 @@
               <a:t>Pandas – Data analysis toolkit </a:t>
             </a:r>
           </a:p>
+          <a:p>
+            <a:pPr marL="914400" lvl="1" indent="-457200">
+              <a:buFont typeface="+mj-lt"/>
+              <a:buAutoNum type="arabicPeriod"/>
+            </a:pPr>
+            <a:r>
+              <a:rPr lang="en-US" dirty="0"/>
+              <a:t>Pickle – serializing and de serializing a python object structure so it can be saved on to a disk. </a:t>
+            </a:r>
+          </a:p>
         </p:txBody>
       </p:sp>
     </p:spTree>

--- a/presentations/aids_review2.pptx
+++ b/presentations/aids_review2.pptx
@@ -5877,7 +5877,13 @@
               <a:rPr lang="en-US" sz="4400" dirty="0">
                 <a:latin typeface="SF UI Display" panose="00000500000000000000" pitchFamily="50" charset="0"/>
               </a:rPr>
-              <a:t>usic generation using LTSM </a:t>
+              <a:t>usic generation using </a:t>
+            </a:r>
+            <a:r>
+              <a:rPr lang="en-US" sz="4400">
+                <a:latin typeface="SF UI Display" panose="00000500000000000000" pitchFamily="50" charset="0"/>
+              </a:rPr>
+              <a:t>machine learning</a:t>
             </a:r>
             <a:br>
               <a:rPr lang="en-US" dirty="0">
